--- a/presentations/08 - Qualidade de codigo - SOLID.pptx
+++ b/presentations/08 - Qualidade de codigo - SOLID.pptx
@@ -5,21 +5,26 @@
     <p:sldMasterId id="2147483668" r:id="rId4"/>
   </p:sldMasterIdLst>
   <p:notesMasterIdLst>
-    <p:notesMasterId r:id="rId14"/>
+    <p:notesMasterId r:id="rId19"/>
   </p:notesMasterIdLst>
   <p:handoutMasterIdLst>
-    <p:handoutMasterId r:id="rId15"/>
+    <p:handoutMasterId r:id="rId20"/>
   </p:handoutMasterIdLst>
   <p:sldIdLst>
     <p:sldId id="285" r:id="rId5"/>
     <p:sldId id="274" r:id="rId6"/>
     <p:sldId id="300" r:id="rId7"/>
     <p:sldId id="287" r:id="rId8"/>
-    <p:sldId id="325" r:id="rId9"/>
-    <p:sldId id="324" r:id="rId10"/>
-    <p:sldId id="321" r:id="rId11"/>
-    <p:sldId id="319" r:id="rId12"/>
-    <p:sldId id="283" r:id="rId13"/>
+    <p:sldId id="326" r:id="rId9"/>
+    <p:sldId id="327" r:id="rId10"/>
+    <p:sldId id="328" r:id="rId11"/>
+    <p:sldId id="329" r:id="rId12"/>
+    <p:sldId id="330" r:id="rId13"/>
+    <p:sldId id="325" r:id="rId14"/>
+    <p:sldId id="324" r:id="rId15"/>
+    <p:sldId id="321" r:id="rId16"/>
+    <p:sldId id="319" r:id="rId17"/>
+    <p:sldId id="283" r:id="rId18"/>
   </p:sldIdLst>
   <p:sldSz cx="12192000" cy="6858000"/>
   <p:notesSz cx="6858000" cy="9144000"/>
@@ -229,7 +234,7 @@
             <a:fld id="{9DEF996C-CA2C-436E-A903-7F2E7C68ADF8}" type="datetimeFigureOut">
               <a:rPr lang="en-US" smtClean="0"/>
               <a:pPr/>
-              <a:t>7/7/2020</a:t>
+              <a:t>7/16/2020</a:t>
             </a:fld>
             <a:endParaRPr lang="en-US"/>
           </a:p>
@@ -396,7 +401,7 @@
             <a:fld id="{56D6514A-F4CA-40F5-B508-6CC5FEA6DD64}" type="datetimeFigureOut">
               <a:rPr lang="en-US" smtClean="0"/>
               <a:pPr/>
-              <a:t>7/7/2020</a:t>
+              <a:t>7/16/2020</a:t>
             </a:fld>
             <a:endParaRPr lang="en-US"/>
           </a:p>
@@ -856,7 +861,7 @@
           <a:p>
             <a:fld id="{0A0255A0-EE2B-6E49-A611-C16850102233}" type="datetimeFigureOut">
               <a:rPr lang="en-US" smtClean="0"/>
-              <a:t>7/7/2020</a:t>
+              <a:t>7/16/2020</a:t>
             </a:fld>
             <a:endParaRPr lang="en-US"/>
           </a:p>
@@ -1050,7 +1055,7 @@
           <a:p>
             <a:fld id="{0A0255A0-EE2B-6E49-A611-C16850102233}" type="datetimeFigureOut">
               <a:rPr lang="en-US" smtClean="0"/>
-              <a:t>7/7/2020</a:t>
+              <a:t>7/16/2020</a:t>
             </a:fld>
             <a:endParaRPr lang="en-US"/>
           </a:p>
@@ -1254,7 +1259,7 @@
           <a:p>
             <a:fld id="{0A0255A0-EE2B-6E49-A611-C16850102233}" type="datetimeFigureOut">
               <a:rPr lang="en-US" smtClean="0"/>
-              <a:t>7/7/2020</a:t>
+              <a:t>7/16/2020</a:t>
             </a:fld>
             <a:endParaRPr lang="en-US"/>
           </a:p>
@@ -3260,7 +3265,7 @@
           <a:p>
             <a:fld id="{0A0255A0-EE2B-6E49-A611-C16850102233}" type="datetimeFigureOut">
               <a:rPr lang="en-US" smtClean="0"/>
-              <a:t>7/7/2020</a:t>
+              <a:t>7/16/2020</a:t>
             </a:fld>
             <a:endParaRPr lang="en-US"/>
           </a:p>
@@ -3530,7 +3535,7 @@
           <a:p>
             <a:fld id="{0A0255A0-EE2B-6E49-A611-C16850102233}" type="datetimeFigureOut">
               <a:rPr lang="en-US" smtClean="0"/>
-              <a:t>7/7/2020</a:t>
+              <a:t>7/16/2020</a:t>
             </a:fld>
             <a:endParaRPr lang="en-US"/>
           </a:p>
@@ -3842,7 +3847,7 @@
           <a:p>
             <a:fld id="{0A0255A0-EE2B-6E49-A611-C16850102233}" type="datetimeFigureOut">
               <a:rPr lang="en-US" smtClean="0"/>
-              <a:t>7/7/2020</a:t>
+              <a:t>7/16/2020</a:t>
             </a:fld>
             <a:endParaRPr lang="en-US"/>
           </a:p>
@@ -4288,7 +4293,7 @@
           <a:p>
             <a:fld id="{0A0255A0-EE2B-6E49-A611-C16850102233}" type="datetimeFigureOut">
               <a:rPr lang="en-US" smtClean="0"/>
-              <a:t>7/7/2020</a:t>
+              <a:t>7/16/2020</a:t>
             </a:fld>
             <a:endParaRPr lang="en-US"/>
           </a:p>
@@ -4430,7 +4435,7 @@
           <a:p>
             <a:fld id="{0A0255A0-EE2B-6E49-A611-C16850102233}" type="datetimeFigureOut">
               <a:rPr lang="en-US" smtClean="0"/>
-              <a:t>7/7/2020</a:t>
+              <a:t>7/16/2020</a:t>
             </a:fld>
             <a:endParaRPr lang="en-US"/>
           </a:p>
@@ -4549,7 +4554,7 @@
           <a:p>
             <a:fld id="{0A0255A0-EE2B-6E49-A611-C16850102233}" type="datetimeFigureOut">
               <a:rPr lang="en-US" smtClean="0"/>
-              <a:t>7/7/2020</a:t>
+              <a:t>7/16/2020</a:t>
             </a:fld>
             <a:endParaRPr lang="en-US"/>
           </a:p>
@@ -4850,7 +4855,7 @@
           <a:p>
             <a:fld id="{0A0255A0-EE2B-6E49-A611-C16850102233}" type="datetimeFigureOut">
               <a:rPr lang="en-US" smtClean="0"/>
-              <a:t>7/7/2020</a:t>
+              <a:t>7/16/2020</a:t>
             </a:fld>
             <a:endParaRPr lang="en-US"/>
           </a:p>
@@ -5127,7 +5132,7 @@
           <a:p>
             <a:fld id="{0A0255A0-EE2B-6E49-A611-C16850102233}" type="datetimeFigureOut">
               <a:rPr lang="en-US" smtClean="0"/>
-              <a:t>7/7/2020</a:t>
+              <a:t>7/16/2020</a:t>
             </a:fld>
             <a:endParaRPr lang="en-US"/>
           </a:p>
@@ -6467,7 +6472,7 @@
 </p:sld>
 </file>
 
-<file path=ppt/slides/slide2.xml><?xml version="1.0" encoding="utf-8"?>
+<file path=ppt/slides/slide10.xml><?xml version="1.0" encoding="utf-8"?>
 <p:sld xmlns:a="http://schemas.openxmlformats.org/drawingml/2006/main" xmlns:r="http://schemas.openxmlformats.org/officeDocument/2006/relationships" xmlns:p="http://schemas.openxmlformats.org/presentationml/2006/main">
   <p:cSld>
     <p:spTree>
@@ -6486,50 +6491,7 @@
       </p:grpSpPr>
       <p:sp>
         <p:nvSpPr>
-          <p:cNvPr id="26" name="Espaço Reservado para Texto 25"/>
-          <p:cNvSpPr>
-            <a:spLocks noGrp="1"/>
-          </p:cNvSpPr>
-          <p:nvPr>
-            <p:ph type="body" sz="quarter" idx="16"/>
-          </p:nvPr>
-        </p:nvSpPr>
-        <p:spPr>
-          <a:xfrm>
-            <a:off x="335358" y="1428604"/>
-            <a:ext cx="11040533" cy="632244"/>
-          </a:xfrm>
-        </p:spPr>
-        <p:txBody>
-          <a:bodyPr>
-            <a:normAutofit/>
-          </a:bodyPr>
-          <a:lstStyle/>
-          <a:p>
-            <a:pPr algn="ctr"/>
-            <a:r>
-              <a:rPr lang="da-DK" sz="1800" dirty="0">
-                <a:solidFill>
-                  <a:srgbClr val="123274"/>
-                </a:solidFill>
-                <a:latin typeface="Segoe UI" panose="020B0502040204020203" pitchFamily="34" charset="0"/>
-                <a:cs typeface="Segoe UI" panose="020B0502040204020203" pitchFamily="34" charset="0"/>
-              </a:rPr>
-              <a:t>Qualidade de código – Design Patterns</a:t>
-            </a:r>
-            <a:endParaRPr lang="pt-BR" sz="1800" dirty="0">
-              <a:solidFill>
-                <a:srgbClr val="123274"/>
-              </a:solidFill>
-              <a:latin typeface="Segoe UI" panose="020B0502040204020203" pitchFamily="34" charset="0"/>
-              <a:cs typeface="Segoe UI" panose="020B0502040204020203" pitchFamily="34" charset="0"/>
-            </a:endParaRPr>
-          </a:p>
-        </p:txBody>
-      </p:sp>
-      <p:sp>
-        <p:nvSpPr>
-          <p:cNvPr id="4" name="Título 2"/>
+          <p:cNvPr id="2" name="Título 1"/>
           <p:cNvSpPr>
             <a:spLocks noGrp="1"/>
           </p:cNvSpPr>
@@ -6547,522 +6509,7 @@
                 <a:latin typeface="Segoe UI" panose="020B0502040204020203" pitchFamily="34" charset="0"/>
                 <a:cs typeface="Segoe UI" panose="020B0502040204020203" pitchFamily="34" charset="0"/>
               </a:rPr>
-              <a:t>Recapitulando...</a:t>
-            </a:r>
-          </a:p>
-        </p:txBody>
-      </p:sp>
-      <p:sp>
-        <p:nvSpPr>
-          <p:cNvPr id="2" name="Rectangle: Rounded Corners 1">
-            <a:extLst>
-              <a:ext uri="{FF2B5EF4-FFF2-40B4-BE49-F238E27FC236}">
-                <a16:creationId xmlns:a16="http://schemas.microsoft.com/office/drawing/2014/main" id="{999BC5A2-478C-479C-BDB5-86AF0D816FF8}"/>
-              </a:ext>
-            </a:extLst>
-          </p:cNvPr>
-          <p:cNvSpPr/>
-          <p:nvPr/>
-        </p:nvSpPr>
-        <p:spPr>
-          <a:xfrm>
-            <a:off x="632553" y="2533375"/>
-            <a:ext cx="2448272" cy="1800200"/>
-          </a:xfrm>
-          <a:prstGeom prst="roundRect">
-            <a:avLst/>
-          </a:prstGeom>
-          <a:ln/>
-        </p:spPr>
-        <p:style>
-          <a:lnRef idx="1">
-            <a:schemeClr val="accent3"/>
-          </a:lnRef>
-          <a:fillRef idx="3">
-            <a:schemeClr val="accent3"/>
-          </a:fillRef>
-          <a:effectRef idx="2">
-            <a:schemeClr val="accent3"/>
-          </a:effectRef>
-          <a:fontRef idx="minor">
-            <a:schemeClr val="lt1"/>
-          </a:fontRef>
-        </p:style>
-        <p:txBody>
-          <a:bodyPr rtlCol="0" anchor="ctr"/>
-          <a:lstStyle/>
-          <a:p>
-            <a:pPr algn="ctr"/>
-            <a:r>
-              <a:rPr lang="pt-BR" dirty="0"/>
-              <a:t>Definição de Design </a:t>
-            </a:r>
-            <a:r>
-              <a:rPr lang="pt-BR" dirty="0" err="1"/>
-              <a:t>Patterns</a:t>
-            </a:r>
-            <a:endParaRPr lang="pt-BR" dirty="0"/>
-          </a:p>
-        </p:txBody>
-      </p:sp>
-      <p:sp>
-        <p:nvSpPr>
-          <p:cNvPr id="7" name="Rectangle: Rounded Corners 6">
-            <a:extLst>
-              <a:ext uri="{FF2B5EF4-FFF2-40B4-BE49-F238E27FC236}">
-                <a16:creationId xmlns:a16="http://schemas.microsoft.com/office/drawing/2014/main" id="{E9335D31-E3B5-4914-A1BB-C8402E382074}"/>
-              </a:ext>
-            </a:extLst>
-          </p:cNvPr>
-          <p:cNvSpPr/>
-          <p:nvPr/>
-        </p:nvSpPr>
-        <p:spPr>
-          <a:xfrm>
-            <a:off x="3440865" y="2528900"/>
-            <a:ext cx="2448272" cy="1800200"/>
-          </a:xfrm>
-          <a:prstGeom prst="roundRect">
-            <a:avLst/>
-          </a:prstGeom>
-          <a:ln/>
-        </p:spPr>
-        <p:style>
-          <a:lnRef idx="1">
-            <a:schemeClr val="accent3"/>
-          </a:lnRef>
-          <a:fillRef idx="3">
-            <a:schemeClr val="accent3"/>
-          </a:fillRef>
-          <a:effectRef idx="2">
-            <a:schemeClr val="accent3"/>
-          </a:effectRef>
-          <a:fontRef idx="minor">
-            <a:schemeClr val="lt1"/>
-          </a:fontRef>
-        </p:style>
-        <p:txBody>
-          <a:bodyPr rtlCol="0" anchor="ctr"/>
-          <a:lstStyle/>
-          <a:p>
-            <a:pPr algn="ctr"/>
-            <a:r>
-              <a:rPr lang="pt-BR" dirty="0"/>
-              <a:t>Classificação:</a:t>
-            </a:r>
-          </a:p>
-          <a:p>
-            <a:pPr algn="ctr"/>
-            <a:r>
-              <a:rPr lang="pt-BR" dirty="0" err="1"/>
-              <a:t>Criacionais</a:t>
-            </a:r>
-            <a:r>
-              <a:rPr lang="pt-BR" dirty="0"/>
-              <a:t>, Comportamentais e Estruturais</a:t>
-            </a:r>
-          </a:p>
-        </p:txBody>
-      </p:sp>
-      <p:sp>
-        <p:nvSpPr>
-          <p:cNvPr id="6" name="Rectangle: Rounded Corners 5">
-            <a:extLst>
-              <a:ext uri="{FF2B5EF4-FFF2-40B4-BE49-F238E27FC236}">
-                <a16:creationId xmlns:a16="http://schemas.microsoft.com/office/drawing/2014/main" id="{932E3188-2D4F-4777-899D-0DC0FAB099C3}"/>
-              </a:ext>
-            </a:extLst>
-          </p:cNvPr>
-          <p:cNvSpPr/>
-          <p:nvPr/>
-        </p:nvSpPr>
-        <p:spPr>
-          <a:xfrm>
-            <a:off x="9057489" y="2533375"/>
-            <a:ext cx="2448272" cy="1800200"/>
-          </a:xfrm>
-          <a:prstGeom prst="roundRect">
-            <a:avLst/>
-          </a:prstGeom>
-          <a:ln/>
-        </p:spPr>
-        <p:style>
-          <a:lnRef idx="1">
-            <a:schemeClr val="accent3"/>
-          </a:lnRef>
-          <a:fillRef idx="3">
-            <a:schemeClr val="accent3"/>
-          </a:fillRef>
-          <a:effectRef idx="2">
-            <a:schemeClr val="accent3"/>
-          </a:effectRef>
-          <a:fontRef idx="minor">
-            <a:schemeClr val="lt1"/>
-          </a:fontRef>
-        </p:style>
-        <p:txBody>
-          <a:bodyPr rtlCol="0" anchor="ctr"/>
-          <a:lstStyle/>
-          <a:p>
-            <a:pPr algn="ctr"/>
-            <a:r>
-              <a:rPr lang="pt-BR" dirty="0"/>
-              <a:t>História dos design </a:t>
-            </a:r>
-            <a:r>
-              <a:rPr lang="pt-BR" dirty="0" err="1"/>
-              <a:t>patterns</a:t>
-            </a:r>
-            <a:endParaRPr lang="pt-BR" dirty="0"/>
-          </a:p>
-        </p:txBody>
-      </p:sp>
-      <p:sp>
-        <p:nvSpPr>
-          <p:cNvPr id="8" name="Rectangle: Rounded Corners 7">
-            <a:extLst>
-              <a:ext uri="{FF2B5EF4-FFF2-40B4-BE49-F238E27FC236}">
-                <a16:creationId xmlns:a16="http://schemas.microsoft.com/office/drawing/2014/main" id="{F6801986-AF4D-458C-A4FB-E08BB86D6999}"/>
-              </a:ext>
-            </a:extLst>
-          </p:cNvPr>
-          <p:cNvSpPr/>
-          <p:nvPr/>
-        </p:nvSpPr>
-        <p:spPr>
-          <a:xfrm>
-            <a:off x="6249177" y="2523850"/>
-            <a:ext cx="2448272" cy="1800200"/>
-          </a:xfrm>
-          <a:prstGeom prst="roundRect">
-            <a:avLst/>
-          </a:prstGeom>
-          <a:ln/>
-        </p:spPr>
-        <p:style>
-          <a:lnRef idx="1">
-            <a:schemeClr val="accent3"/>
-          </a:lnRef>
-          <a:fillRef idx="3">
-            <a:schemeClr val="accent3"/>
-          </a:fillRef>
-          <a:effectRef idx="2">
-            <a:schemeClr val="accent3"/>
-          </a:effectRef>
-          <a:fontRef idx="minor">
-            <a:schemeClr val="lt1"/>
-          </a:fontRef>
-        </p:style>
-        <p:txBody>
-          <a:bodyPr rtlCol="0" anchor="ctr"/>
-          <a:lstStyle/>
-          <a:p>
-            <a:pPr algn="ctr"/>
-            <a:r>
-              <a:rPr lang="pt-BR" dirty="0"/>
-              <a:t>Benefícios</a:t>
-            </a:r>
-          </a:p>
-        </p:txBody>
-      </p:sp>
-    </p:spTree>
-    <p:extLst>
-      <p:ext uri="{BB962C8B-B14F-4D97-AF65-F5344CB8AC3E}">
-        <p14:creationId xmlns:p14="http://schemas.microsoft.com/office/powerpoint/2010/main" val="3695790986"/>
-      </p:ext>
-    </p:extLst>
-  </p:cSld>
-  <p:clrMapOvr>
-    <a:masterClrMapping/>
-  </p:clrMapOvr>
-  <p:transition>
-    <p:fade thruBlk="1"/>
-  </p:transition>
-</p:sld>
-</file>
-
-<file path=ppt/slides/slide3.xml><?xml version="1.0" encoding="utf-8"?>
-<p:sld xmlns:a="http://schemas.openxmlformats.org/drawingml/2006/main" xmlns:r="http://schemas.openxmlformats.org/officeDocument/2006/relationships" xmlns:p="http://schemas.openxmlformats.org/presentationml/2006/main">
-  <p:cSld>
-    <p:spTree>
-      <p:nvGrpSpPr>
-        <p:cNvPr id="1" name=""/>
-        <p:cNvGrpSpPr/>
-        <p:nvPr/>
-      </p:nvGrpSpPr>
-      <p:grpSpPr>
-        <a:xfrm>
-          <a:off x="0" y="0"/>
-          <a:ext cx="0" cy="0"/>
-          <a:chOff x="0" y="0"/>
-          <a:chExt cx="0" cy="0"/>
-        </a:xfrm>
-      </p:grpSpPr>
-      <p:sp>
-        <p:nvSpPr>
-          <p:cNvPr id="6" name="Rectangle 13"/>
-          <p:cNvSpPr/>
-          <p:nvPr/>
-        </p:nvSpPr>
-        <p:spPr>
-          <a:xfrm>
-            <a:off x="335360" y="3077189"/>
-            <a:ext cx="9865096" cy="639278"/>
-          </a:xfrm>
-          <a:prstGeom prst="rect">
-            <a:avLst/>
-          </a:prstGeom>
-        </p:spPr>
-        <p:txBody>
-          <a:bodyPr wrap="square" anchor="ctr">
-            <a:spAutoFit/>
-          </a:bodyPr>
-          <a:lstStyle/>
-          <a:p>
-            <a:pPr lvl="0">
-              <a:lnSpc>
-                <a:spcPts val="4600"/>
-              </a:lnSpc>
-            </a:pPr>
-            <a:r>
-              <a:rPr lang="en-US" sz="3600" dirty="0" err="1">
-                <a:solidFill>
-                  <a:srgbClr val="FFFFFF"/>
-                </a:solidFill>
-                <a:latin typeface="Segoe UI" panose="020B0502040204020203" pitchFamily="34" charset="0"/>
-                <a:cs typeface="Segoe UI" panose="020B0502040204020203" pitchFamily="34" charset="0"/>
-              </a:rPr>
-              <a:t>Qualidade</a:t>
-            </a:r>
-            <a:r>
-              <a:rPr lang="en-US" sz="3600" dirty="0">
-                <a:solidFill>
-                  <a:srgbClr val="FFFFFF"/>
-                </a:solidFill>
-                <a:latin typeface="Segoe UI" panose="020B0502040204020203" pitchFamily="34" charset="0"/>
-                <a:cs typeface="Segoe UI" panose="020B0502040204020203" pitchFamily="34" charset="0"/>
-              </a:rPr>
-              <a:t> de Código – SOLID</a:t>
-            </a:r>
-          </a:p>
-        </p:txBody>
-      </p:sp>
-    </p:spTree>
-    <p:extLst>
-      <p:ext uri="{BB962C8B-B14F-4D97-AF65-F5344CB8AC3E}">
-        <p14:creationId xmlns:p14="http://schemas.microsoft.com/office/powerpoint/2010/main" val="2940308037"/>
-      </p:ext>
-    </p:extLst>
-  </p:cSld>
-  <p:clrMapOvr>
-    <a:masterClrMapping/>
-  </p:clrMapOvr>
-  <p:transition>
-    <p:fade thruBlk="1"/>
-  </p:transition>
-</p:sld>
-</file>
-
-<file path=ppt/slides/slide4.xml><?xml version="1.0" encoding="utf-8"?>
-<p:sld xmlns:a="http://schemas.openxmlformats.org/drawingml/2006/main" xmlns:r="http://schemas.openxmlformats.org/officeDocument/2006/relationships" xmlns:p="http://schemas.openxmlformats.org/presentationml/2006/main">
-  <p:cSld>
-    <p:spTree>
-      <p:nvGrpSpPr>
-        <p:cNvPr id="1" name=""/>
-        <p:cNvGrpSpPr/>
-        <p:nvPr/>
-      </p:nvGrpSpPr>
-      <p:grpSpPr>
-        <a:xfrm>
-          <a:off x="0" y="0"/>
-          <a:ext cx="0" cy="0"/>
-          <a:chOff x="0" y="0"/>
-          <a:chExt cx="0" cy="0"/>
-        </a:xfrm>
-      </p:grpSpPr>
-      <p:sp>
-        <p:nvSpPr>
-          <p:cNvPr id="2" name="Título 1"/>
-          <p:cNvSpPr>
-            <a:spLocks noGrp="1"/>
-          </p:cNvSpPr>
-          <p:nvPr>
-            <p:ph type="title"/>
-          </p:nvPr>
-        </p:nvSpPr>
-        <p:spPr/>
-        <p:txBody>
-          <a:bodyPr/>
-          <a:lstStyle/>
-          <a:p>
-            <a:r>
-              <a:rPr lang="pt-BR" dirty="0">
-                <a:latin typeface="Segoe UI" panose="020B0502040204020203" pitchFamily="34" charset="0"/>
-                <a:cs typeface="Segoe UI" panose="020B0502040204020203" pitchFamily="34" charset="0"/>
-              </a:rPr>
-              <a:t>QUALIDADE DE CÓDIGO – SOLID</a:t>
-            </a:r>
-          </a:p>
-        </p:txBody>
-      </p:sp>
-      <p:sp>
-        <p:nvSpPr>
-          <p:cNvPr id="6" name="Rectangle 5">
-            <a:extLst>
-              <a:ext uri="{FF2B5EF4-FFF2-40B4-BE49-F238E27FC236}">
-                <a16:creationId xmlns:a16="http://schemas.microsoft.com/office/drawing/2014/main" id="{27C43DB8-7D6E-47D7-B589-057A19F6A3D9}"/>
-              </a:ext>
-            </a:extLst>
-          </p:cNvPr>
-          <p:cNvSpPr/>
-          <p:nvPr/>
-        </p:nvSpPr>
-        <p:spPr>
-          <a:xfrm>
-            <a:off x="666430" y="5078832"/>
-            <a:ext cx="10859140" cy="369332"/>
-          </a:xfrm>
-          <a:prstGeom prst="rect">
-            <a:avLst/>
-          </a:prstGeom>
-        </p:spPr>
-        <p:txBody>
-          <a:bodyPr wrap="square">
-            <a:spAutoFit/>
-          </a:bodyPr>
-          <a:lstStyle/>
-          <a:p>
-            <a:pPr algn="ctr"/>
-            <a:r>
-              <a:rPr lang="pt-BR" b="1" dirty="0">
-                <a:solidFill>
-                  <a:srgbClr val="123274"/>
-                </a:solidFill>
-                <a:latin typeface="Segoe UI" panose="020B0502040204020203" pitchFamily="34" charset="0"/>
-                <a:cs typeface="Segoe UI" panose="020B0502040204020203" pitchFamily="34" charset="0"/>
-              </a:rPr>
-              <a:t>Conceitualizado por Robert C. Martin em 2000 e implementado por Michael </a:t>
-            </a:r>
-            <a:r>
-              <a:rPr lang="pt-BR" b="1" dirty="0" err="1">
-                <a:solidFill>
-                  <a:srgbClr val="123274"/>
-                </a:solidFill>
-                <a:latin typeface="Segoe UI" panose="020B0502040204020203" pitchFamily="34" charset="0"/>
-                <a:cs typeface="Segoe UI" panose="020B0502040204020203" pitchFamily="34" charset="0"/>
-              </a:rPr>
-              <a:t>Feathers</a:t>
-            </a:r>
-            <a:endParaRPr lang="pt-BR" b="1" dirty="0">
-              <a:solidFill>
-                <a:srgbClr val="123274"/>
-              </a:solidFill>
-              <a:latin typeface="Segoe UI" panose="020B0502040204020203" pitchFamily="34" charset="0"/>
-              <a:cs typeface="Segoe UI" panose="020B0502040204020203" pitchFamily="34" charset="0"/>
-            </a:endParaRPr>
-          </a:p>
-        </p:txBody>
-      </p:sp>
-      <p:pic>
-        <p:nvPicPr>
-          <p:cNvPr id="7" name="Picture 17" descr="A picture containing clock&#10;&#10;Description automatically generated">
-            <a:extLst>
-              <a:ext uri="{FF2B5EF4-FFF2-40B4-BE49-F238E27FC236}">
-                <a16:creationId xmlns:a16="http://schemas.microsoft.com/office/drawing/2014/main" id="{0A2AE93A-109D-44A3-B8F9-B0E33661A266}"/>
-              </a:ext>
-            </a:extLst>
-          </p:cNvPr>
-          <p:cNvPicPr>
-            <a:picLocks noChangeAspect="1"/>
-          </p:cNvPicPr>
-          <p:nvPr/>
-        </p:nvPicPr>
-        <p:blipFill>
-          <a:blip r:embed="rId2" cstate="print">
-            <a:extLst>
-              <a:ext uri="{28A0092B-C50C-407E-A947-70E740481C1C}">
-                <a14:useLocalDpi xmlns:a14="http://schemas.microsoft.com/office/drawing/2010/main" val="0"/>
-              </a:ext>
-            </a:extLst>
-          </a:blip>
-          <a:stretch>
-            <a:fillRect/>
-          </a:stretch>
-        </p:blipFill>
-        <p:spPr>
-          <a:xfrm>
-            <a:off x="1553900" y="1409836"/>
-            <a:ext cx="9084199" cy="3444896"/>
-          </a:xfrm>
-          <a:prstGeom prst="rect">
-            <a:avLst/>
-          </a:prstGeom>
-          <a:ln>
-            <a:noFill/>
-          </a:ln>
-          <a:effectLst>
-            <a:outerShdw blurRad="292100" dist="139700" dir="2700000" algn="tl" rotWithShape="0">
-              <a:srgbClr val="333333">
-                <a:alpha val="65000"/>
-              </a:srgbClr>
-            </a:outerShdw>
-          </a:effectLst>
-        </p:spPr>
-      </p:pic>
-    </p:spTree>
-    <p:extLst>
-      <p:ext uri="{BB962C8B-B14F-4D97-AF65-F5344CB8AC3E}">
-        <p14:creationId xmlns:p14="http://schemas.microsoft.com/office/powerpoint/2010/main" val="2877506298"/>
-      </p:ext>
-    </p:extLst>
-  </p:cSld>
-  <p:clrMapOvr>
-    <a:masterClrMapping/>
-  </p:clrMapOvr>
-  <p:transition>
-    <p:fade/>
-  </p:transition>
-</p:sld>
-</file>
-
-<file path=ppt/slides/slide5.xml><?xml version="1.0" encoding="utf-8"?>
-<p:sld xmlns:a="http://schemas.openxmlformats.org/drawingml/2006/main" xmlns:r="http://schemas.openxmlformats.org/officeDocument/2006/relationships" xmlns:p="http://schemas.openxmlformats.org/presentationml/2006/main">
-  <p:cSld>
-    <p:spTree>
-      <p:nvGrpSpPr>
-        <p:cNvPr id="1" name=""/>
-        <p:cNvGrpSpPr/>
-        <p:nvPr/>
-      </p:nvGrpSpPr>
-      <p:grpSpPr>
-        <a:xfrm>
-          <a:off x="0" y="0"/>
-          <a:ext cx="0" cy="0"/>
-          <a:chOff x="0" y="0"/>
-          <a:chExt cx="0" cy="0"/>
-        </a:xfrm>
-      </p:grpSpPr>
-      <p:sp>
-        <p:nvSpPr>
-          <p:cNvPr id="2" name="Título 1"/>
-          <p:cNvSpPr>
-            <a:spLocks noGrp="1"/>
-          </p:cNvSpPr>
-          <p:nvPr>
-            <p:ph type="title"/>
-          </p:nvPr>
-        </p:nvSpPr>
-        <p:spPr/>
-        <p:txBody>
-          <a:bodyPr/>
-          <a:lstStyle/>
-          <a:p>
-            <a:r>
-              <a:rPr lang="pt-BR" dirty="0">
-                <a:latin typeface="Segoe UI" panose="020B0502040204020203" pitchFamily="34" charset="0"/>
-                <a:cs typeface="Segoe UI" panose="020B0502040204020203" pitchFamily="34" charset="0"/>
-              </a:rPr>
-              <a:t>QUALIDADE DE CÓDIGO – SOLID</a:t>
+              <a:t>QUALIDADE DE CÓDIGO – SOLID - Resumidamente</a:t>
             </a:r>
           </a:p>
         </p:txBody>
@@ -7119,7 +6566,7 @@
 </p:sld>
 </file>
 
-<file path=ppt/slides/slide6.xml><?xml version="1.0" encoding="utf-8"?>
+<file path=ppt/slides/slide11.xml><?xml version="1.0" encoding="utf-8"?>
 <p:sld xmlns:a="http://schemas.openxmlformats.org/drawingml/2006/main" xmlns:r="http://schemas.openxmlformats.org/officeDocument/2006/relationships" xmlns:p="http://schemas.openxmlformats.org/presentationml/2006/main">
   <p:cSld>
     <p:spTree>
@@ -7322,7 +6769,7 @@
 </p:sld>
 </file>
 
-<file path=ppt/slides/slide7.xml><?xml version="1.0" encoding="utf-8"?>
+<file path=ppt/slides/slide12.xml><?xml version="1.0" encoding="utf-8"?>
 <p:sld xmlns:a="http://schemas.openxmlformats.org/drawingml/2006/main" xmlns:r="http://schemas.openxmlformats.org/officeDocument/2006/relationships" xmlns:p="http://schemas.openxmlformats.org/presentationml/2006/main">
   <p:cSld>
     <p:spTree>
@@ -7447,7 +6894,7 @@
 </p:sld>
 </file>
 
-<file path=ppt/slides/slide8.xml><?xml version="1.0" encoding="utf-8"?>
+<file path=ppt/slides/slide13.xml><?xml version="1.0" encoding="utf-8"?>
 <p:sld xmlns:a="http://schemas.openxmlformats.org/drawingml/2006/main" xmlns:r="http://schemas.openxmlformats.org/officeDocument/2006/relationships" xmlns:p="http://schemas.openxmlformats.org/presentationml/2006/main">
   <p:cSld>
     <p:spTree>
@@ -7542,14 +6989,14 @@
           <p:nvPr>
             <p:extLst>
               <p:ext uri="{D42A27DB-BD31-4B8C-83A1-F6EECF244321}">
-                <p14:modId xmlns:p14="http://schemas.microsoft.com/office/powerpoint/2010/main" val="3997294753"/>
+                <p14:modId xmlns:p14="http://schemas.microsoft.com/office/powerpoint/2010/main" val="3369792981"/>
               </p:ext>
             </p:extLst>
           </p:nvPr>
         </p:nvGraphicFramePr>
         <p:xfrm>
           <a:off x="528969" y="1124744"/>
-          <a:ext cx="8087311" cy="1659883"/>
+          <a:ext cx="8087311" cy="4130040"/>
         </p:xfrm>
         <a:graphic>
           <a:graphicData uri="http://schemas.openxmlformats.org/drawingml/2006/table">
@@ -7695,6 +7142,287 @@
                       </a:endParaRPr>
                     </a:p>
                     <a:p>
+                      <a:pPr marL="0" algn="l" defTabSz="457200" rtl="0" eaLnBrk="1" latinLnBrk="0" hangingPunct="1"/>
+                      <a:endParaRPr lang="pt-BR" sz="1300" kern="1200" dirty="0">
+                        <a:solidFill>
+                          <a:schemeClr val="dk1"/>
+                        </a:solidFill>
+                        <a:latin typeface="+mn-lt"/>
+                        <a:ea typeface="+mn-ea"/>
+                        <a:cs typeface="+mn-cs"/>
+                      </a:endParaRPr>
+                    </a:p>
+                    <a:p>
+                      <a:pPr marL="0" algn="l" defTabSz="457200" rtl="0" eaLnBrk="1" latinLnBrk="0" hangingPunct="1"/>
+                      <a:r>
+                        <a:rPr lang="pt-BR" sz="1300" kern="1200" dirty="0">
+                          <a:solidFill>
+                            <a:schemeClr val="dk1"/>
+                          </a:solidFill>
+                          <a:latin typeface="+mn-lt"/>
+                          <a:ea typeface="+mn-ea"/>
+                          <a:cs typeface="+mn-cs"/>
+                          <a:hlinkClick r:id="rId4">
+                            <a:extLst>
+                              <a:ext uri="{A12FA001-AC4F-418D-AE19-62706E023703}">
+                                <ahyp:hlinkClr xmlns:ahyp="http://schemas.microsoft.com/office/drawing/2018/hyperlinkcolor" val="tx"/>
+                              </a:ext>
+                            </a:extLst>
+                          </a:hlinkClick>
+                        </a:rPr>
+                        <a:t>https://www.vikingcodeschool.com/software-engineering-basics/solid-design-principles</a:t>
+                      </a:r>
+                      <a:endParaRPr lang="pt-BR" sz="1300" kern="1200" dirty="0">
+                        <a:solidFill>
+                          <a:schemeClr val="dk1"/>
+                        </a:solidFill>
+                        <a:latin typeface="+mn-lt"/>
+                        <a:ea typeface="+mn-ea"/>
+                        <a:cs typeface="+mn-cs"/>
+                      </a:endParaRPr>
+                    </a:p>
+                    <a:p>
+                      <a:pPr marL="0" algn="l" defTabSz="457200" rtl="0" eaLnBrk="1" latinLnBrk="0" hangingPunct="1"/>
+                      <a:endParaRPr lang="pt-BR" sz="1300" kern="1200" dirty="0">
+                        <a:solidFill>
+                          <a:schemeClr val="dk1"/>
+                        </a:solidFill>
+                        <a:latin typeface="+mn-lt"/>
+                        <a:ea typeface="+mn-ea"/>
+                        <a:cs typeface="+mn-cs"/>
+                      </a:endParaRPr>
+                    </a:p>
+                    <a:p>
+                      <a:pPr marL="0" algn="l" defTabSz="457200" rtl="0" eaLnBrk="1" latinLnBrk="0" hangingPunct="1"/>
+                      <a:r>
+                        <a:rPr lang="pt-BR" sz="1300" kern="1200" dirty="0">
+                          <a:solidFill>
+                            <a:schemeClr val="dk1"/>
+                          </a:solidFill>
+                          <a:latin typeface="+mn-lt"/>
+                          <a:ea typeface="+mn-ea"/>
+                          <a:cs typeface="+mn-cs"/>
+                          <a:hlinkClick r:id="rId5">
+                            <a:extLst>
+                              <a:ext uri="{A12FA001-AC4F-418D-AE19-62706E023703}">
+                                <ahyp:hlinkClr xmlns:ahyp="http://schemas.microsoft.com/office/drawing/2018/hyperlinkcolor" val="tx"/>
+                              </a:ext>
+                            </a:extLst>
+                          </a:hlinkClick>
+                        </a:rPr>
+                        <a:t>https://stackify.com/solid-design-principles/</a:t>
+                      </a:r>
+                      <a:endParaRPr lang="pt-BR" sz="1300" kern="1200" dirty="0">
+                        <a:solidFill>
+                          <a:schemeClr val="dk1"/>
+                        </a:solidFill>
+                        <a:latin typeface="+mn-lt"/>
+                        <a:ea typeface="+mn-ea"/>
+                        <a:cs typeface="+mn-cs"/>
+                      </a:endParaRPr>
+                    </a:p>
+                    <a:p>
+                      <a:pPr marL="0" algn="l" defTabSz="457200" rtl="0" eaLnBrk="1" latinLnBrk="0" hangingPunct="1"/>
+                      <a:endParaRPr lang="pt-BR" sz="1300" kern="1200" dirty="0">
+                        <a:solidFill>
+                          <a:schemeClr val="dk1"/>
+                        </a:solidFill>
+                        <a:latin typeface="+mn-lt"/>
+                        <a:ea typeface="+mn-ea"/>
+                        <a:cs typeface="+mn-cs"/>
+                      </a:endParaRPr>
+                    </a:p>
+                    <a:p>
+                      <a:pPr marL="0" algn="l" defTabSz="457200" rtl="0" eaLnBrk="1" latinLnBrk="0" hangingPunct="1"/>
+                      <a:r>
+                        <a:rPr lang="pt-BR" sz="1300" kern="1200" dirty="0">
+                          <a:solidFill>
+                            <a:schemeClr val="dk1"/>
+                          </a:solidFill>
+                          <a:latin typeface="+mn-lt"/>
+                          <a:ea typeface="+mn-ea"/>
+                          <a:cs typeface="+mn-cs"/>
+                          <a:hlinkClick r:id="rId6">
+                            <a:extLst>
+                              <a:ext uri="{A12FA001-AC4F-418D-AE19-62706E023703}">
+                                <ahyp:hlinkClr xmlns:ahyp="http://schemas.microsoft.com/office/drawing/2018/hyperlinkcolor" val="tx"/>
+                              </a:ext>
+                            </a:extLst>
+                          </a:hlinkClick>
+                        </a:rPr>
+                        <a:t>https://stackify.com/solid-design-open-closed-principle/</a:t>
+                      </a:r>
+                      <a:endParaRPr lang="pt-BR" sz="1300" kern="1200" dirty="0">
+                        <a:solidFill>
+                          <a:schemeClr val="dk1"/>
+                        </a:solidFill>
+                        <a:latin typeface="+mn-lt"/>
+                        <a:ea typeface="+mn-ea"/>
+                        <a:cs typeface="+mn-cs"/>
+                      </a:endParaRPr>
+                    </a:p>
+                    <a:p>
+                      <a:pPr marL="0" algn="l" defTabSz="457200" rtl="0" eaLnBrk="1" latinLnBrk="0" hangingPunct="1"/>
+                      <a:endParaRPr lang="pt-BR" sz="1300" kern="1200" dirty="0">
+                        <a:solidFill>
+                          <a:schemeClr val="dk1"/>
+                        </a:solidFill>
+                        <a:latin typeface="+mn-lt"/>
+                        <a:ea typeface="+mn-ea"/>
+                        <a:cs typeface="+mn-cs"/>
+                      </a:endParaRPr>
+                    </a:p>
+                    <a:p>
+                      <a:pPr marL="0" algn="l" defTabSz="457200" rtl="0" eaLnBrk="1" latinLnBrk="0" hangingPunct="1"/>
+                      <a:r>
+                        <a:rPr lang="pt-BR" sz="1300" kern="1200" dirty="0">
+                          <a:solidFill>
+                            <a:schemeClr val="dk1"/>
+                          </a:solidFill>
+                          <a:latin typeface="+mn-lt"/>
+                          <a:ea typeface="+mn-ea"/>
+                          <a:cs typeface="+mn-cs"/>
+                          <a:hlinkClick r:id="rId7">
+                            <a:extLst>
+                              <a:ext uri="{A12FA001-AC4F-418D-AE19-62706E023703}">
+                                <ahyp:hlinkClr xmlns:ahyp="http://schemas.microsoft.com/office/drawing/2018/hyperlinkcolor" val="tx"/>
+                              </a:ext>
+                            </a:extLst>
+                          </a:hlinkClick>
+                        </a:rPr>
+                        <a:t>https://springframework.guru/principles-of-object-oriented-design/liskov-substitution-principle/</a:t>
+                      </a:r>
+                      <a:endParaRPr lang="pt-BR" sz="1300" kern="1200" dirty="0">
+                        <a:solidFill>
+                          <a:schemeClr val="dk1"/>
+                        </a:solidFill>
+                        <a:latin typeface="+mn-lt"/>
+                        <a:ea typeface="+mn-ea"/>
+                        <a:cs typeface="+mn-cs"/>
+                      </a:endParaRPr>
+                    </a:p>
+                    <a:p>
+                      <a:pPr marL="0" algn="l" defTabSz="457200" rtl="0" eaLnBrk="1" latinLnBrk="0" hangingPunct="1"/>
+                      <a:endParaRPr lang="pt-BR" sz="1300" kern="1200" dirty="0">
+                        <a:solidFill>
+                          <a:schemeClr val="dk1"/>
+                        </a:solidFill>
+                        <a:latin typeface="+mn-lt"/>
+                        <a:ea typeface="+mn-ea"/>
+                        <a:cs typeface="+mn-cs"/>
+                      </a:endParaRPr>
+                    </a:p>
+                    <a:p>
+                      <a:pPr marL="0" algn="l" defTabSz="457200" rtl="0" eaLnBrk="1" latinLnBrk="0" hangingPunct="1"/>
+                      <a:r>
+                        <a:rPr lang="pt-BR" sz="1300" kern="1200" dirty="0">
+                          <a:solidFill>
+                            <a:schemeClr val="dk1"/>
+                          </a:solidFill>
+                          <a:latin typeface="+mn-lt"/>
+                          <a:ea typeface="+mn-ea"/>
+                          <a:cs typeface="+mn-cs"/>
+                          <a:hlinkClick r:id="rId8">
+                            <a:extLst>
+                              <a:ext uri="{A12FA001-AC4F-418D-AE19-62706E023703}">
+                                <ahyp:hlinkClr xmlns:ahyp="http://schemas.microsoft.com/office/drawing/2018/hyperlinkcolor" val="tx"/>
+                              </a:ext>
+                            </a:extLst>
+                          </a:hlinkClick>
+                        </a:rPr>
+                        <a:t>https://stackify.com/solid-design-liskov-substitution-principle/</a:t>
+                      </a:r>
+                      <a:endParaRPr lang="pt-BR" sz="1300" kern="1200" dirty="0">
+                        <a:solidFill>
+                          <a:schemeClr val="dk1"/>
+                        </a:solidFill>
+                        <a:latin typeface="+mn-lt"/>
+                        <a:ea typeface="+mn-ea"/>
+                        <a:cs typeface="+mn-cs"/>
+                      </a:endParaRPr>
+                    </a:p>
+                    <a:p>
+                      <a:pPr marL="0" algn="l" defTabSz="457200" rtl="0" eaLnBrk="1" latinLnBrk="0" hangingPunct="1"/>
+                      <a:endParaRPr lang="pt-BR" sz="1300" kern="1200" dirty="0">
+                        <a:solidFill>
+                          <a:schemeClr val="dk1"/>
+                        </a:solidFill>
+                        <a:latin typeface="+mn-lt"/>
+                        <a:ea typeface="+mn-ea"/>
+                        <a:cs typeface="+mn-cs"/>
+                      </a:endParaRPr>
+                    </a:p>
+                    <a:p>
+                      <a:pPr marL="0" algn="l" defTabSz="457200" rtl="0" eaLnBrk="1" latinLnBrk="0" hangingPunct="1"/>
+                      <a:r>
+                        <a:rPr lang="pt-BR" sz="1300" kern="1200" dirty="0">
+                          <a:solidFill>
+                            <a:schemeClr val="dk1"/>
+                          </a:solidFill>
+                          <a:latin typeface="+mn-lt"/>
+                          <a:ea typeface="+mn-ea"/>
+                          <a:cs typeface="+mn-cs"/>
+                          <a:hlinkClick r:id="rId9">
+                            <a:extLst>
+                              <a:ext uri="{A12FA001-AC4F-418D-AE19-62706E023703}">
+                                <ahyp:hlinkClr xmlns:ahyp="http://schemas.microsoft.com/office/drawing/2018/hyperlinkcolor" val="tx"/>
+                              </a:ext>
+                            </a:extLst>
+                          </a:hlinkClick>
+                        </a:rPr>
+                        <a:t>https://stackify.com/interface-segregation-principle/</a:t>
+                      </a:r>
+                      <a:endParaRPr lang="pt-BR" sz="1300" kern="1200" dirty="0">
+                        <a:solidFill>
+                          <a:schemeClr val="dk1"/>
+                        </a:solidFill>
+                        <a:latin typeface="+mn-lt"/>
+                        <a:ea typeface="+mn-ea"/>
+                        <a:cs typeface="+mn-cs"/>
+                      </a:endParaRPr>
+                    </a:p>
+                    <a:p>
+                      <a:pPr marL="0" algn="l" defTabSz="457200" rtl="0" eaLnBrk="1" latinLnBrk="0" hangingPunct="1"/>
+                      <a:endParaRPr lang="pt-BR" sz="1300" kern="1200" dirty="0">
+                        <a:solidFill>
+                          <a:schemeClr val="dk1"/>
+                        </a:solidFill>
+                        <a:latin typeface="+mn-lt"/>
+                        <a:ea typeface="+mn-ea"/>
+                        <a:cs typeface="+mn-cs"/>
+                      </a:endParaRPr>
+                    </a:p>
+                    <a:p>
+                      <a:pPr marL="0" algn="l" defTabSz="457200" rtl="0" eaLnBrk="1" latinLnBrk="0" hangingPunct="1"/>
+                      <a:r>
+                        <a:rPr lang="pt-BR" sz="1300" kern="1200" dirty="0">
+                          <a:solidFill>
+                            <a:schemeClr val="dk1"/>
+                          </a:solidFill>
+                          <a:latin typeface="+mn-lt"/>
+                          <a:ea typeface="+mn-ea"/>
+                          <a:cs typeface="+mn-cs"/>
+                          <a:hlinkClick r:id="rId10">
+                            <a:extLst>
+                              <a:ext uri="{A12FA001-AC4F-418D-AE19-62706E023703}">
+                                <ahyp:hlinkClr xmlns:ahyp="http://schemas.microsoft.com/office/drawing/2018/hyperlinkcolor" val="tx"/>
+                              </a:ext>
+                            </a:extLst>
+                          </a:hlinkClick>
+                        </a:rPr>
+                        <a:t>https://stackify.com/dependency-inversion-principle/</a:t>
+                      </a:r>
+                      <a:endParaRPr lang="pt-BR" sz="1300" kern="1200" dirty="0">
+                        <a:solidFill>
+                          <a:schemeClr val="dk1"/>
+                        </a:solidFill>
+                        <a:latin typeface="+mn-lt"/>
+                        <a:ea typeface="+mn-ea"/>
+                        <a:cs typeface="+mn-cs"/>
+                      </a:endParaRPr>
+                    </a:p>
+                    <a:p>
+                      <a:pPr marL="0" algn="l" defTabSz="457200" rtl="0" eaLnBrk="1" latinLnBrk="0" hangingPunct="1"/>
                       <a:endParaRPr lang="pt-BR" sz="1300" kern="1200" dirty="0">
                         <a:solidFill>
                           <a:schemeClr val="dk1"/>
@@ -7743,7 +7471,7 @@
 </p:sld>
 </file>
 
-<file path=ppt/slides/slide9.xml><?xml version="1.0" encoding="utf-8"?>
+<file path=ppt/slides/slide14.xml><?xml version="1.0" encoding="utf-8"?>
 <p:sld xmlns:a="http://schemas.openxmlformats.org/drawingml/2006/main" xmlns:r="http://schemas.openxmlformats.org/officeDocument/2006/relationships" xmlns:p="http://schemas.openxmlformats.org/presentationml/2006/main">
   <p:cSld>
     <p:spTree>
@@ -7813,23 +7541,7 @@
                 <a:latin typeface="Segoe UI" panose="020B0502040204020203" pitchFamily="34" charset="0"/>
                 <a:cs typeface="Segoe UI" panose="020B0502040204020203" pitchFamily="34" charset="0"/>
               </a:rPr>
-              <a:t>prestador-paulo.kolbe@b3.com.br/</a:t>
-            </a:r>
-            <a:br>
-              <a:rPr lang="pt-BR" sz="2000" dirty="0">
-                <a:latin typeface="Segoe UI" panose="020B0502040204020203" pitchFamily="34" charset="0"/>
-                <a:cs typeface="Segoe UI" panose="020B0502040204020203" pitchFamily="34" charset="0"/>
-              </a:rPr>
-            </a:br>
-            <a:r>
-              <a:rPr lang="pt-BR" sz="2000" dirty="0">
-                <a:solidFill>
-                  <a:schemeClr val="accent1"/>
-                </a:solidFill>
-                <a:latin typeface="Segoe UI" panose="020B0502040204020203" pitchFamily="34" charset="0"/>
-                <a:cs typeface="Segoe UI" panose="020B0502040204020203" pitchFamily="34" charset="0"/>
-              </a:rPr>
-              <a:t>paulo.kolbe@gft.com</a:t>
+              <a:t>lace@b3.com.br</a:t>
             </a:r>
           </a:p>
         </p:txBody>
@@ -7916,6 +7628,2196 @@
   </p:clrMapOvr>
   <p:transition>
     <p:fade thruBlk="1"/>
+  </p:transition>
+</p:sld>
+</file>
+
+<file path=ppt/slides/slide2.xml><?xml version="1.0" encoding="utf-8"?>
+<p:sld xmlns:a="http://schemas.openxmlformats.org/drawingml/2006/main" xmlns:r="http://schemas.openxmlformats.org/officeDocument/2006/relationships" xmlns:p="http://schemas.openxmlformats.org/presentationml/2006/main">
+  <p:cSld>
+    <p:spTree>
+      <p:nvGrpSpPr>
+        <p:cNvPr id="1" name=""/>
+        <p:cNvGrpSpPr/>
+        <p:nvPr/>
+      </p:nvGrpSpPr>
+      <p:grpSpPr>
+        <a:xfrm>
+          <a:off x="0" y="0"/>
+          <a:ext cx="0" cy="0"/>
+          <a:chOff x="0" y="0"/>
+          <a:chExt cx="0" cy="0"/>
+        </a:xfrm>
+      </p:grpSpPr>
+      <p:sp>
+        <p:nvSpPr>
+          <p:cNvPr id="26" name="Espaço Reservado para Texto 25"/>
+          <p:cNvSpPr>
+            <a:spLocks noGrp="1"/>
+          </p:cNvSpPr>
+          <p:nvPr>
+            <p:ph type="body" sz="quarter" idx="16"/>
+          </p:nvPr>
+        </p:nvSpPr>
+        <p:spPr>
+          <a:xfrm>
+            <a:off x="335358" y="1428604"/>
+            <a:ext cx="11040533" cy="632244"/>
+          </a:xfrm>
+        </p:spPr>
+        <p:txBody>
+          <a:bodyPr>
+            <a:normAutofit/>
+          </a:bodyPr>
+          <a:lstStyle/>
+          <a:p>
+            <a:pPr algn="ctr"/>
+            <a:r>
+              <a:rPr lang="da-DK" sz="1800" dirty="0">
+                <a:solidFill>
+                  <a:srgbClr val="123274"/>
+                </a:solidFill>
+                <a:latin typeface="Segoe UI" panose="020B0502040204020203" pitchFamily="34" charset="0"/>
+                <a:cs typeface="Segoe UI" panose="020B0502040204020203" pitchFamily="34" charset="0"/>
+              </a:rPr>
+              <a:t>Qualidade de código – Design Patterns</a:t>
+            </a:r>
+            <a:endParaRPr lang="pt-BR" sz="1800" dirty="0">
+              <a:solidFill>
+                <a:srgbClr val="123274"/>
+              </a:solidFill>
+              <a:latin typeface="Segoe UI" panose="020B0502040204020203" pitchFamily="34" charset="0"/>
+              <a:cs typeface="Segoe UI" panose="020B0502040204020203" pitchFamily="34" charset="0"/>
+            </a:endParaRPr>
+          </a:p>
+        </p:txBody>
+      </p:sp>
+      <p:sp>
+        <p:nvSpPr>
+          <p:cNvPr id="4" name="Título 2"/>
+          <p:cNvSpPr>
+            <a:spLocks noGrp="1"/>
+          </p:cNvSpPr>
+          <p:nvPr>
+            <p:ph type="title"/>
+          </p:nvPr>
+        </p:nvSpPr>
+        <p:spPr/>
+        <p:txBody>
+          <a:bodyPr/>
+          <a:lstStyle/>
+          <a:p>
+            <a:r>
+              <a:rPr lang="pt-BR" dirty="0">
+                <a:latin typeface="Segoe UI" panose="020B0502040204020203" pitchFamily="34" charset="0"/>
+                <a:cs typeface="Segoe UI" panose="020B0502040204020203" pitchFamily="34" charset="0"/>
+              </a:rPr>
+              <a:t>Recapitulando...</a:t>
+            </a:r>
+          </a:p>
+        </p:txBody>
+      </p:sp>
+      <p:sp>
+        <p:nvSpPr>
+          <p:cNvPr id="2" name="Rectangle: Rounded Corners 1">
+            <a:extLst>
+              <a:ext uri="{FF2B5EF4-FFF2-40B4-BE49-F238E27FC236}">
+                <a16:creationId xmlns:a16="http://schemas.microsoft.com/office/drawing/2014/main" id="{999BC5A2-478C-479C-BDB5-86AF0D816FF8}"/>
+              </a:ext>
+            </a:extLst>
+          </p:cNvPr>
+          <p:cNvSpPr/>
+          <p:nvPr/>
+        </p:nvSpPr>
+        <p:spPr>
+          <a:xfrm>
+            <a:off x="632553" y="2533375"/>
+            <a:ext cx="2448272" cy="1800200"/>
+          </a:xfrm>
+          <a:prstGeom prst="roundRect">
+            <a:avLst/>
+          </a:prstGeom>
+          <a:ln/>
+        </p:spPr>
+        <p:style>
+          <a:lnRef idx="1">
+            <a:schemeClr val="accent3"/>
+          </a:lnRef>
+          <a:fillRef idx="3">
+            <a:schemeClr val="accent3"/>
+          </a:fillRef>
+          <a:effectRef idx="2">
+            <a:schemeClr val="accent3"/>
+          </a:effectRef>
+          <a:fontRef idx="minor">
+            <a:schemeClr val="lt1"/>
+          </a:fontRef>
+        </p:style>
+        <p:txBody>
+          <a:bodyPr rtlCol="0" anchor="ctr"/>
+          <a:lstStyle/>
+          <a:p>
+            <a:pPr algn="ctr"/>
+            <a:r>
+              <a:rPr lang="pt-BR" dirty="0"/>
+              <a:t>Definição de Design </a:t>
+            </a:r>
+            <a:r>
+              <a:rPr lang="pt-BR" dirty="0" err="1"/>
+              <a:t>Patterns</a:t>
+            </a:r>
+            <a:endParaRPr lang="pt-BR" dirty="0"/>
+          </a:p>
+        </p:txBody>
+      </p:sp>
+      <p:sp>
+        <p:nvSpPr>
+          <p:cNvPr id="7" name="Rectangle: Rounded Corners 6">
+            <a:extLst>
+              <a:ext uri="{FF2B5EF4-FFF2-40B4-BE49-F238E27FC236}">
+                <a16:creationId xmlns:a16="http://schemas.microsoft.com/office/drawing/2014/main" id="{E9335D31-E3B5-4914-A1BB-C8402E382074}"/>
+              </a:ext>
+            </a:extLst>
+          </p:cNvPr>
+          <p:cNvSpPr/>
+          <p:nvPr/>
+        </p:nvSpPr>
+        <p:spPr>
+          <a:xfrm>
+            <a:off x="3440865" y="2528900"/>
+            <a:ext cx="2448272" cy="1800200"/>
+          </a:xfrm>
+          <a:prstGeom prst="roundRect">
+            <a:avLst/>
+          </a:prstGeom>
+          <a:ln/>
+        </p:spPr>
+        <p:style>
+          <a:lnRef idx="1">
+            <a:schemeClr val="accent3"/>
+          </a:lnRef>
+          <a:fillRef idx="3">
+            <a:schemeClr val="accent3"/>
+          </a:fillRef>
+          <a:effectRef idx="2">
+            <a:schemeClr val="accent3"/>
+          </a:effectRef>
+          <a:fontRef idx="minor">
+            <a:schemeClr val="lt1"/>
+          </a:fontRef>
+        </p:style>
+        <p:txBody>
+          <a:bodyPr rtlCol="0" anchor="ctr"/>
+          <a:lstStyle/>
+          <a:p>
+            <a:pPr algn="ctr"/>
+            <a:r>
+              <a:rPr lang="pt-BR" dirty="0"/>
+              <a:t>Classificação:</a:t>
+            </a:r>
+          </a:p>
+          <a:p>
+            <a:pPr algn="ctr"/>
+            <a:r>
+              <a:rPr lang="pt-BR" dirty="0" err="1"/>
+              <a:t>Criacionais</a:t>
+            </a:r>
+            <a:r>
+              <a:rPr lang="pt-BR" dirty="0"/>
+              <a:t>, Comportamentais e Estruturais</a:t>
+            </a:r>
+          </a:p>
+        </p:txBody>
+      </p:sp>
+      <p:sp>
+        <p:nvSpPr>
+          <p:cNvPr id="6" name="Rectangle: Rounded Corners 5">
+            <a:extLst>
+              <a:ext uri="{FF2B5EF4-FFF2-40B4-BE49-F238E27FC236}">
+                <a16:creationId xmlns:a16="http://schemas.microsoft.com/office/drawing/2014/main" id="{932E3188-2D4F-4777-899D-0DC0FAB099C3}"/>
+              </a:ext>
+            </a:extLst>
+          </p:cNvPr>
+          <p:cNvSpPr/>
+          <p:nvPr/>
+        </p:nvSpPr>
+        <p:spPr>
+          <a:xfrm>
+            <a:off x="9057489" y="2533375"/>
+            <a:ext cx="2448272" cy="1800200"/>
+          </a:xfrm>
+          <a:prstGeom prst="roundRect">
+            <a:avLst/>
+          </a:prstGeom>
+          <a:ln/>
+        </p:spPr>
+        <p:style>
+          <a:lnRef idx="1">
+            <a:schemeClr val="accent3"/>
+          </a:lnRef>
+          <a:fillRef idx="3">
+            <a:schemeClr val="accent3"/>
+          </a:fillRef>
+          <a:effectRef idx="2">
+            <a:schemeClr val="accent3"/>
+          </a:effectRef>
+          <a:fontRef idx="minor">
+            <a:schemeClr val="lt1"/>
+          </a:fontRef>
+        </p:style>
+        <p:txBody>
+          <a:bodyPr rtlCol="0" anchor="ctr"/>
+          <a:lstStyle/>
+          <a:p>
+            <a:pPr algn="ctr"/>
+            <a:r>
+              <a:rPr lang="pt-BR" dirty="0"/>
+              <a:t>História dos design </a:t>
+            </a:r>
+            <a:r>
+              <a:rPr lang="pt-BR" dirty="0" err="1"/>
+              <a:t>patterns</a:t>
+            </a:r>
+            <a:endParaRPr lang="pt-BR" dirty="0"/>
+          </a:p>
+        </p:txBody>
+      </p:sp>
+      <p:sp>
+        <p:nvSpPr>
+          <p:cNvPr id="8" name="Rectangle: Rounded Corners 7">
+            <a:extLst>
+              <a:ext uri="{FF2B5EF4-FFF2-40B4-BE49-F238E27FC236}">
+                <a16:creationId xmlns:a16="http://schemas.microsoft.com/office/drawing/2014/main" id="{F6801986-AF4D-458C-A4FB-E08BB86D6999}"/>
+              </a:ext>
+            </a:extLst>
+          </p:cNvPr>
+          <p:cNvSpPr/>
+          <p:nvPr/>
+        </p:nvSpPr>
+        <p:spPr>
+          <a:xfrm>
+            <a:off x="6249177" y="2523850"/>
+            <a:ext cx="2448272" cy="1800200"/>
+          </a:xfrm>
+          <a:prstGeom prst="roundRect">
+            <a:avLst/>
+          </a:prstGeom>
+          <a:ln/>
+        </p:spPr>
+        <p:style>
+          <a:lnRef idx="1">
+            <a:schemeClr val="accent3"/>
+          </a:lnRef>
+          <a:fillRef idx="3">
+            <a:schemeClr val="accent3"/>
+          </a:fillRef>
+          <a:effectRef idx="2">
+            <a:schemeClr val="accent3"/>
+          </a:effectRef>
+          <a:fontRef idx="minor">
+            <a:schemeClr val="lt1"/>
+          </a:fontRef>
+        </p:style>
+        <p:txBody>
+          <a:bodyPr rtlCol="0" anchor="ctr"/>
+          <a:lstStyle/>
+          <a:p>
+            <a:pPr algn="ctr"/>
+            <a:r>
+              <a:rPr lang="pt-BR" dirty="0"/>
+              <a:t>Benefícios</a:t>
+            </a:r>
+          </a:p>
+        </p:txBody>
+      </p:sp>
+    </p:spTree>
+    <p:extLst>
+      <p:ext uri="{BB962C8B-B14F-4D97-AF65-F5344CB8AC3E}">
+        <p14:creationId xmlns:p14="http://schemas.microsoft.com/office/powerpoint/2010/main" val="3695790986"/>
+      </p:ext>
+    </p:extLst>
+  </p:cSld>
+  <p:clrMapOvr>
+    <a:masterClrMapping/>
+  </p:clrMapOvr>
+  <p:transition>
+    <p:fade thruBlk="1"/>
+  </p:transition>
+</p:sld>
+</file>
+
+<file path=ppt/slides/slide3.xml><?xml version="1.0" encoding="utf-8"?>
+<p:sld xmlns:a="http://schemas.openxmlformats.org/drawingml/2006/main" xmlns:r="http://schemas.openxmlformats.org/officeDocument/2006/relationships" xmlns:p="http://schemas.openxmlformats.org/presentationml/2006/main">
+  <p:cSld>
+    <p:spTree>
+      <p:nvGrpSpPr>
+        <p:cNvPr id="1" name=""/>
+        <p:cNvGrpSpPr/>
+        <p:nvPr/>
+      </p:nvGrpSpPr>
+      <p:grpSpPr>
+        <a:xfrm>
+          <a:off x="0" y="0"/>
+          <a:ext cx="0" cy="0"/>
+          <a:chOff x="0" y="0"/>
+          <a:chExt cx="0" cy="0"/>
+        </a:xfrm>
+      </p:grpSpPr>
+      <p:sp>
+        <p:nvSpPr>
+          <p:cNvPr id="6" name="Rectangle 13"/>
+          <p:cNvSpPr/>
+          <p:nvPr/>
+        </p:nvSpPr>
+        <p:spPr>
+          <a:xfrm>
+            <a:off x="335360" y="3077189"/>
+            <a:ext cx="9865096" cy="639278"/>
+          </a:xfrm>
+          <a:prstGeom prst="rect">
+            <a:avLst/>
+          </a:prstGeom>
+        </p:spPr>
+        <p:txBody>
+          <a:bodyPr wrap="square" anchor="ctr">
+            <a:spAutoFit/>
+          </a:bodyPr>
+          <a:lstStyle/>
+          <a:p>
+            <a:pPr lvl="0">
+              <a:lnSpc>
+                <a:spcPts val="4600"/>
+              </a:lnSpc>
+            </a:pPr>
+            <a:r>
+              <a:rPr lang="en-US" sz="3600" dirty="0" err="1">
+                <a:solidFill>
+                  <a:srgbClr val="FFFFFF"/>
+                </a:solidFill>
+                <a:latin typeface="Segoe UI" panose="020B0502040204020203" pitchFamily="34" charset="0"/>
+                <a:cs typeface="Segoe UI" panose="020B0502040204020203" pitchFamily="34" charset="0"/>
+              </a:rPr>
+              <a:t>Qualidade</a:t>
+            </a:r>
+            <a:r>
+              <a:rPr lang="en-US" sz="3600" dirty="0">
+                <a:solidFill>
+                  <a:srgbClr val="FFFFFF"/>
+                </a:solidFill>
+                <a:latin typeface="Segoe UI" panose="020B0502040204020203" pitchFamily="34" charset="0"/>
+                <a:cs typeface="Segoe UI" panose="020B0502040204020203" pitchFamily="34" charset="0"/>
+              </a:rPr>
+              <a:t> de Código – SOLID</a:t>
+            </a:r>
+          </a:p>
+        </p:txBody>
+      </p:sp>
+    </p:spTree>
+    <p:extLst>
+      <p:ext uri="{BB962C8B-B14F-4D97-AF65-F5344CB8AC3E}">
+        <p14:creationId xmlns:p14="http://schemas.microsoft.com/office/powerpoint/2010/main" val="2940308037"/>
+      </p:ext>
+    </p:extLst>
+  </p:cSld>
+  <p:clrMapOvr>
+    <a:masterClrMapping/>
+  </p:clrMapOvr>
+  <p:transition>
+    <p:fade thruBlk="1"/>
+  </p:transition>
+</p:sld>
+</file>
+
+<file path=ppt/slides/slide4.xml><?xml version="1.0" encoding="utf-8"?>
+<p:sld xmlns:a="http://schemas.openxmlformats.org/drawingml/2006/main" xmlns:r="http://schemas.openxmlformats.org/officeDocument/2006/relationships" xmlns:p="http://schemas.openxmlformats.org/presentationml/2006/main">
+  <p:cSld>
+    <p:spTree>
+      <p:nvGrpSpPr>
+        <p:cNvPr id="1" name=""/>
+        <p:cNvGrpSpPr/>
+        <p:nvPr/>
+      </p:nvGrpSpPr>
+      <p:grpSpPr>
+        <a:xfrm>
+          <a:off x="0" y="0"/>
+          <a:ext cx="0" cy="0"/>
+          <a:chOff x="0" y="0"/>
+          <a:chExt cx="0" cy="0"/>
+        </a:xfrm>
+      </p:grpSpPr>
+      <p:sp>
+        <p:nvSpPr>
+          <p:cNvPr id="2" name="Título 1"/>
+          <p:cNvSpPr>
+            <a:spLocks noGrp="1"/>
+          </p:cNvSpPr>
+          <p:nvPr>
+            <p:ph type="title"/>
+          </p:nvPr>
+        </p:nvSpPr>
+        <p:spPr/>
+        <p:txBody>
+          <a:bodyPr/>
+          <a:lstStyle/>
+          <a:p>
+            <a:r>
+              <a:rPr lang="pt-BR" dirty="0">
+                <a:latin typeface="Segoe UI" panose="020B0502040204020203" pitchFamily="34" charset="0"/>
+                <a:cs typeface="Segoe UI" panose="020B0502040204020203" pitchFamily="34" charset="0"/>
+              </a:rPr>
+              <a:t>QUALIDADE DE CÓDIGO – SOLID</a:t>
+            </a:r>
+          </a:p>
+        </p:txBody>
+      </p:sp>
+      <p:sp>
+        <p:nvSpPr>
+          <p:cNvPr id="6" name="Rectangle 5">
+            <a:extLst>
+              <a:ext uri="{FF2B5EF4-FFF2-40B4-BE49-F238E27FC236}">
+                <a16:creationId xmlns:a16="http://schemas.microsoft.com/office/drawing/2014/main" id="{27C43DB8-7D6E-47D7-B589-057A19F6A3D9}"/>
+              </a:ext>
+            </a:extLst>
+          </p:cNvPr>
+          <p:cNvSpPr/>
+          <p:nvPr/>
+        </p:nvSpPr>
+        <p:spPr>
+          <a:xfrm>
+            <a:off x="666430" y="5078832"/>
+            <a:ext cx="10859140" cy="646331"/>
+          </a:xfrm>
+          <a:prstGeom prst="rect">
+            <a:avLst/>
+          </a:prstGeom>
+        </p:spPr>
+        <p:txBody>
+          <a:bodyPr wrap="square">
+            <a:spAutoFit/>
+          </a:bodyPr>
+          <a:lstStyle/>
+          <a:p>
+            <a:pPr algn="ctr"/>
+            <a:r>
+              <a:rPr lang="pt-BR" dirty="0">
+                <a:solidFill>
+                  <a:srgbClr val="123274"/>
+                </a:solidFill>
+                <a:latin typeface="Segoe UI" panose="020B0502040204020203" pitchFamily="34" charset="0"/>
+                <a:cs typeface="Segoe UI" panose="020B0502040204020203" pitchFamily="34" charset="0"/>
+              </a:rPr>
+              <a:t>Conceitualizado por </a:t>
+            </a:r>
+            <a:r>
+              <a:rPr lang="pt-BR" u="sng" dirty="0">
+                <a:solidFill>
+                  <a:srgbClr val="123274"/>
+                </a:solidFill>
+                <a:latin typeface="Segoe UI" panose="020B0502040204020203" pitchFamily="34" charset="0"/>
+                <a:cs typeface="Segoe UI" panose="020B0502040204020203" pitchFamily="34" charset="0"/>
+              </a:rPr>
+              <a:t>Robert C. Martin</a:t>
+            </a:r>
+            <a:r>
+              <a:rPr lang="pt-BR" dirty="0">
+                <a:solidFill>
+                  <a:srgbClr val="123274"/>
+                </a:solidFill>
+                <a:latin typeface="Segoe UI" panose="020B0502040204020203" pitchFamily="34" charset="0"/>
+                <a:cs typeface="Segoe UI" panose="020B0502040204020203" pitchFamily="34" charset="0"/>
+              </a:rPr>
+              <a:t> em 2000 como </a:t>
+            </a:r>
+            <a:r>
+              <a:rPr lang="pt-BR" u="sng" dirty="0">
+                <a:solidFill>
+                  <a:srgbClr val="123274"/>
+                </a:solidFill>
+                <a:latin typeface="Segoe UI" panose="020B0502040204020203" pitchFamily="34" charset="0"/>
+                <a:cs typeface="Segoe UI" panose="020B0502040204020203" pitchFamily="34" charset="0"/>
+              </a:rPr>
+              <a:t>Design </a:t>
+            </a:r>
+            <a:r>
+              <a:rPr lang="pt-BR" u="sng" dirty="0" err="1">
+                <a:solidFill>
+                  <a:srgbClr val="123274"/>
+                </a:solidFill>
+                <a:latin typeface="Segoe UI" panose="020B0502040204020203" pitchFamily="34" charset="0"/>
+                <a:cs typeface="Segoe UI" panose="020B0502040204020203" pitchFamily="34" charset="0"/>
+              </a:rPr>
+              <a:t>Principles</a:t>
+            </a:r>
+            <a:r>
+              <a:rPr lang="pt-BR" u="sng" dirty="0">
+                <a:solidFill>
+                  <a:srgbClr val="123274"/>
+                </a:solidFill>
+                <a:latin typeface="Segoe UI" panose="020B0502040204020203" pitchFamily="34" charset="0"/>
+                <a:cs typeface="Segoe UI" panose="020B0502040204020203" pitchFamily="34" charset="0"/>
+              </a:rPr>
+              <a:t> e Design </a:t>
+            </a:r>
+            <a:r>
+              <a:rPr lang="pt-BR" u="sng" dirty="0" err="1">
+                <a:solidFill>
+                  <a:srgbClr val="123274"/>
+                </a:solidFill>
+                <a:latin typeface="Segoe UI" panose="020B0502040204020203" pitchFamily="34" charset="0"/>
+                <a:cs typeface="Segoe UI" panose="020B0502040204020203" pitchFamily="34" charset="0"/>
+              </a:rPr>
+              <a:t>Patterns</a:t>
+            </a:r>
+            <a:r>
+              <a:rPr lang="pt-BR" dirty="0">
+                <a:solidFill>
+                  <a:srgbClr val="123274"/>
+                </a:solidFill>
+                <a:latin typeface="Segoe UI" panose="020B0502040204020203" pitchFamily="34" charset="0"/>
+                <a:cs typeface="Segoe UI" panose="020B0502040204020203" pitchFamily="34" charset="0"/>
+              </a:rPr>
+              <a:t> </a:t>
+            </a:r>
+          </a:p>
+          <a:p>
+            <a:pPr algn="ctr"/>
+            <a:r>
+              <a:rPr lang="pt-BR" dirty="0">
+                <a:solidFill>
+                  <a:srgbClr val="123274"/>
+                </a:solidFill>
+                <a:latin typeface="Segoe UI" panose="020B0502040204020203" pitchFamily="34" charset="0"/>
+                <a:cs typeface="Segoe UI" panose="020B0502040204020203" pitchFamily="34" charset="0"/>
+              </a:rPr>
+              <a:t>e implementado por </a:t>
+            </a:r>
+            <a:r>
+              <a:rPr lang="pt-BR" u="sng" dirty="0">
+                <a:solidFill>
+                  <a:srgbClr val="123274"/>
+                </a:solidFill>
+                <a:latin typeface="Segoe UI" panose="020B0502040204020203" pitchFamily="34" charset="0"/>
+                <a:cs typeface="Segoe UI" panose="020B0502040204020203" pitchFamily="34" charset="0"/>
+              </a:rPr>
+              <a:t>Michael </a:t>
+            </a:r>
+            <a:r>
+              <a:rPr lang="pt-BR" u="sng" dirty="0" err="1">
+                <a:solidFill>
+                  <a:srgbClr val="123274"/>
+                </a:solidFill>
+                <a:latin typeface="Segoe UI" panose="020B0502040204020203" pitchFamily="34" charset="0"/>
+                <a:cs typeface="Segoe UI" panose="020B0502040204020203" pitchFamily="34" charset="0"/>
+              </a:rPr>
+              <a:t>Feathers</a:t>
+            </a:r>
+            <a:r>
+              <a:rPr lang="pt-BR" dirty="0">
+                <a:solidFill>
+                  <a:srgbClr val="123274"/>
+                </a:solidFill>
+                <a:latin typeface="Segoe UI" panose="020B0502040204020203" pitchFamily="34" charset="0"/>
+                <a:cs typeface="Segoe UI" panose="020B0502040204020203" pitchFamily="34" charset="0"/>
+              </a:rPr>
+              <a:t> como </a:t>
+            </a:r>
+            <a:r>
+              <a:rPr lang="pt-BR" u="sng" dirty="0">
+                <a:solidFill>
+                  <a:srgbClr val="123274"/>
+                </a:solidFill>
+                <a:latin typeface="Segoe UI" panose="020B0502040204020203" pitchFamily="34" charset="0"/>
+                <a:cs typeface="Segoe UI" panose="020B0502040204020203" pitchFamily="34" charset="0"/>
+              </a:rPr>
+              <a:t>SOLID</a:t>
+            </a:r>
+          </a:p>
+        </p:txBody>
+      </p:sp>
+      <p:pic>
+        <p:nvPicPr>
+          <p:cNvPr id="7" name="Picture 17" descr="A picture containing clock&#10;&#10;Description automatically generated">
+            <a:extLst>
+              <a:ext uri="{FF2B5EF4-FFF2-40B4-BE49-F238E27FC236}">
+                <a16:creationId xmlns:a16="http://schemas.microsoft.com/office/drawing/2014/main" id="{0A2AE93A-109D-44A3-B8F9-B0E33661A266}"/>
+              </a:ext>
+            </a:extLst>
+          </p:cNvPr>
+          <p:cNvPicPr>
+            <a:picLocks noChangeAspect="1"/>
+          </p:cNvPicPr>
+          <p:nvPr/>
+        </p:nvPicPr>
+        <p:blipFill>
+          <a:blip r:embed="rId2" cstate="print">
+            <a:extLst>
+              <a:ext uri="{28A0092B-C50C-407E-A947-70E740481C1C}">
+                <a14:useLocalDpi xmlns:a14="http://schemas.microsoft.com/office/drawing/2010/main" val="0"/>
+              </a:ext>
+            </a:extLst>
+          </a:blip>
+          <a:stretch>
+            <a:fillRect/>
+          </a:stretch>
+        </p:blipFill>
+        <p:spPr>
+          <a:xfrm>
+            <a:off x="1553900" y="1409836"/>
+            <a:ext cx="9084199" cy="3444896"/>
+          </a:xfrm>
+          <a:prstGeom prst="rect">
+            <a:avLst/>
+          </a:prstGeom>
+          <a:ln>
+            <a:noFill/>
+          </a:ln>
+          <a:effectLst>
+            <a:outerShdw blurRad="292100" dist="139700" dir="2700000" algn="tl" rotWithShape="0">
+              <a:srgbClr val="333333">
+                <a:alpha val="65000"/>
+              </a:srgbClr>
+            </a:outerShdw>
+          </a:effectLst>
+        </p:spPr>
+      </p:pic>
+    </p:spTree>
+    <p:extLst>
+      <p:ext uri="{BB962C8B-B14F-4D97-AF65-F5344CB8AC3E}">
+        <p14:creationId xmlns:p14="http://schemas.microsoft.com/office/powerpoint/2010/main" val="2877506298"/>
+      </p:ext>
+    </p:extLst>
+  </p:cSld>
+  <p:clrMapOvr>
+    <a:masterClrMapping/>
+  </p:clrMapOvr>
+  <p:transition>
+    <p:fade/>
+  </p:transition>
+</p:sld>
+</file>
+
+<file path=ppt/slides/slide5.xml><?xml version="1.0" encoding="utf-8"?>
+<p:sld xmlns:a="http://schemas.openxmlformats.org/drawingml/2006/main" xmlns:r="http://schemas.openxmlformats.org/officeDocument/2006/relationships" xmlns:p="http://schemas.openxmlformats.org/presentationml/2006/main">
+  <p:cSld>
+    <p:spTree>
+      <p:nvGrpSpPr>
+        <p:cNvPr id="1" name=""/>
+        <p:cNvGrpSpPr/>
+        <p:nvPr/>
+      </p:nvGrpSpPr>
+      <p:grpSpPr>
+        <a:xfrm>
+          <a:off x="0" y="0"/>
+          <a:ext cx="0" cy="0"/>
+          <a:chOff x="0" y="0"/>
+          <a:chExt cx="0" cy="0"/>
+        </a:xfrm>
+      </p:grpSpPr>
+      <p:sp>
+        <p:nvSpPr>
+          <p:cNvPr id="2" name="Título 1"/>
+          <p:cNvSpPr>
+            <a:spLocks noGrp="1"/>
+          </p:cNvSpPr>
+          <p:nvPr>
+            <p:ph type="title"/>
+          </p:nvPr>
+        </p:nvSpPr>
+        <p:spPr/>
+        <p:txBody>
+          <a:bodyPr/>
+          <a:lstStyle/>
+          <a:p>
+            <a:r>
+              <a:rPr lang="pt-BR" dirty="0">
+                <a:latin typeface="Segoe UI" panose="020B0502040204020203" pitchFamily="34" charset="0"/>
+                <a:cs typeface="Segoe UI" panose="020B0502040204020203" pitchFamily="34" charset="0"/>
+              </a:rPr>
+              <a:t>QUALIDADE DE CÓDIGO – </a:t>
+            </a:r>
+            <a:r>
+              <a:rPr lang="pt-BR" b="1" dirty="0">
+                <a:solidFill>
+                  <a:srgbClr val="FF0000"/>
+                </a:solidFill>
+                <a:latin typeface="Segoe UI" panose="020B0502040204020203" pitchFamily="34" charset="0"/>
+                <a:cs typeface="Segoe UI" panose="020B0502040204020203" pitchFamily="34" charset="0"/>
+              </a:rPr>
+              <a:t>S</a:t>
+            </a:r>
+            <a:r>
+              <a:rPr lang="pt-BR" dirty="0">
+                <a:latin typeface="Segoe UI" panose="020B0502040204020203" pitchFamily="34" charset="0"/>
+                <a:cs typeface="Segoe UI" panose="020B0502040204020203" pitchFamily="34" charset="0"/>
+              </a:rPr>
+              <a:t>OLID – Faça somente uma coisa e bem feito!</a:t>
+            </a:r>
+          </a:p>
+        </p:txBody>
+      </p:sp>
+      <p:sp>
+        <p:nvSpPr>
+          <p:cNvPr id="6" name="Rectangle 5">
+            <a:extLst>
+              <a:ext uri="{FF2B5EF4-FFF2-40B4-BE49-F238E27FC236}">
+                <a16:creationId xmlns:a16="http://schemas.microsoft.com/office/drawing/2014/main" id="{27C43DB8-7D6E-47D7-B589-057A19F6A3D9}"/>
+              </a:ext>
+            </a:extLst>
+          </p:cNvPr>
+          <p:cNvSpPr/>
+          <p:nvPr/>
+        </p:nvSpPr>
+        <p:spPr>
+          <a:xfrm>
+            <a:off x="9120336" y="2780928"/>
+            <a:ext cx="2621257" cy="2031325"/>
+          </a:xfrm>
+          <a:prstGeom prst="rect">
+            <a:avLst/>
+          </a:prstGeom>
+        </p:spPr>
+        <p:txBody>
+          <a:bodyPr wrap="square">
+            <a:spAutoFit/>
+          </a:bodyPr>
+          <a:lstStyle/>
+          <a:p>
+            <a:r>
+              <a:rPr lang="pt-BR" dirty="0">
+                <a:solidFill>
+                  <a:srgbClr val="123274"/>
+                </a:solidFill>
+                <a:latin typeface="Segoe UI" panose="020B0502040204020203" pitchFamily="34" charset="0"/>
+                <a:cs typeface="Segoe UI" panose="020B0502040204020203" pitchFamily="34" charset="0"/>
+              </a:rPr>
+              <a:t>Simples validação: Qual é a responsabilidade do seu componente?</a:t>
+            </a:r>
+            <a:br>
+              <a:rPr lang="pt-BR" dirty="0">
+                <a:solidFill>
+                  <a:srgbClr val="123274"/>
+                </a:solidFill>
+                <a:latin typeface="Segoe UI" panose="020B0502040204020203" pitchFamily="34" charset="0"/>
+                <a:cs typeface="Segoe UI" panose="020B0502040204020203" pitchFamily="34" charset="0"/>
+              </a:rPr>
+            </a:br>
+            <a:endParaRPr lang="pt-BR" dirty="0">
+              <a:solidFill>
+                <a:srgbClr val="123274"/>
+              </a:solidFill>
+              <a:latin typeface="Segoe UI" panose="020B0502040204020203" pitchFamily="34" charset="0"/>
+              <a:cs typeface="Segoe UI" panose="020B0502040204020203" pitchFamily="34" charset="0"/>
+            </a:endParaRPr>
+          </a:p>
+          <a:p>
+            <a:r>
+              <a:rPr lang="pt-BR" dirty="0">
+                <a:solidFill>
+                  <a:srgbClr val="123274"/>
+                </a:solidFill>
+                <a:latin typeface="Segoe UI" panose="020B0502040204020203" pitchFamily="34" charset="0"/>
+                <a:cs typeface="Segoe UI" panose="020B0502040204020203" pitchFamily="34" charset="0"/>
+              </a:rPr>
+              <a:t>Se a resposta inclui a conjunção “E”, tem algo errado.</a:t>
+            </a:r>
+          </a:p>
+        </p:txBody>
+      </p:sp>
+      <p:pic>
+        <p:nvPicPr>
+          <p:cNvPr id="7" name="Picture 17" descr="A picture containing clock&#10;&#10;Description automatically generated">
+            <a:extLst>
+              <a:ext uri="{FF2B5EF4-FFF2-40B4-BE49-F238E27FC236}">
+                <a16:creationId xmlns:a16="http://schemas.microsoft.com/office/drawing/2014/main" id="{0A2AE93A-109D-44A3-B8F9-B0E33661A266}"/>
+              </a:ext>
+            </a:extLst>
+          </p:cNvPr>
+          <p:cNvPicPr>
+            <a:picLocks noChangeAspect="1"/>
+          </p:cNvPicPr>
+          <p:nvPr/>
+        </p:nvPicPr>
+        <p:blipFill>
+          <a:blip r:embed="rId2" cstate="print">
+            <a:extLst>
+              <a:ext uri="{28A0092B-C50C-407E-A947-70E740481C1C}">
+                <a14:useLocalDpi xmlns:a14="http://schemas.microsoft.com/office/drawing/2010/main" val="0"/>
+              </a:ext>
+            </a:extLst>
+          </a:blip>
+          <a:stretch>
+            <a:fillRect/>
+          </a:stretch>
+        </p:blipFill>
+        <p:spPr>
+          <a:xfrm>
+            <a:off x="551384" y="1285342"/>
+            <a:ext cx="1877804" cy="712098"/>
+          </a:xfrm>
+          <a:prstGeom prst="rect">
+            <a:avLst/>
+          </a:prstGeom>
+          <a:ln>
+            <a:noFill/>
+          </a:ln>
+          <a:effectLst>
+            <a:outerShdw blurRad="292100" dist="139700" dir="2700000" algn="tl" rotWithShape="0">
+              <a:srgbClr val="333333">
+                <a:alpha val="65000"/>
+              </a:srgbClr>
+            </a:outerShdw>
+          </a:effectLst>
+        </p:spPr>
+      </p:pic>
+      <p:sp>
+        <p:nvSpPr>
+          <p:cNvPr id="3" name="Arrow: Down 2">
+            <a:extLst>
+              <a:ext uri="{FF2B5EF4-FFF2-40B4-BE49-F238E27FC236}">
+                <a16:creationId xmlns:a16="http://schemas.microsoft.com/office/drawing/2014/main" id="{09F6C65C-563D-4E97-B619-7AFED9E2CAEA}"/>
+              </a:ext>
+            </a:extLst>
+          </p:cNvPr>
+          <p:cNvSpPr/>
+          <p:nvPr/>
+        </p:nvSpPr>
+        <p:spPr>
+          <a:xfrm>
+            <a:off x="542682" y="849838"/>
+            <a:ext cx="360040" cy="458145"/>
+          </a:xfrm>
+          <a:prstGeom prst="downArrow">
+            <a:avLst/>
+          </a:prstGeom>
+          <a:solidFill>
+            <a:srgbClr val="FF0000"/>
+          </a:solidFill>
+          <a:ln>
+            <a:noFill/>
+          </a:ln>
+          <a:effectLst/>
+        </p:spPr>
+        <p:style>
+          <a:lnRef idx="1">
+            <a:schemeClr val="accent1"/>
+          </a:lnRef>
+          <a:fillRef idx="3">
+            <a:schemeClr val="accent1"/>
+          </a:fillRef>
+          <a:effectRef idx="2">
+            <a:schemeClr val="accent1"/>
+          </a:effectRef>
+          <a:fontRef idx="minor">
+            <a:schemeClr val="lt1"/>
+          </a:fontRef>
+        </p:style>
+        <p:txBody>
+          <a:bodyPr rtlCol="0" anchor="ctr"/>
+          <a:lstStyle/>
+          <a:p>
+            <a:pPr algn="ctr"/>
+            <a:endParaRPr lang="pt-BR" dirty="0"/>
+          </a:p>
+        </p:txBody>
+      </p:sp>
+      <p:pic>
+        <p:nvPicPr>
+          <p:cNvPr id="5" name="Picture 4" descr="A picture containing knife&#10;&#10;Description automatically generated">
+            <a:extLst>
+              <a:ext uri="{FF2B5EF4-FFF2-40B4-BE49-F238E27FC236}">
+                <a16:creationId xmlns:a16="http://schemas.microsoft.com/office/drawing/2014/main" id="{B6522780-77E8-4471-9432-58F4EB2961AC}"/>
+              </a:ext>
+            </a:extLst>
+          </p:cNvPr>
+          <p:cNvPicPr>
+            <a:picLocks noChangeAspect="1"/>
+          </p:cNvPicPr>
+          <p:nvPr/>
+        </p:nvPicPr>
+        <p:blipFill rotWithShape="1">
+          <a:blip r:embed="rId3">
+            <a:extLst>
+              <a:ext uri="{28A0092B-C50C-407E-A947-70E740481C1C}">
+                <a14:useLocalDpi xmlns:a14="http://schemas.microsoft.com/office/drawing/2010/main" val="0"/>
+              </a:ext>
+            </a:extLst>
+          </a:blip>
+          <a:srcRect l="3260" t="5301" r="3549" b="10071"/>
+          <a:stretch/>
+        </p:blipFill>
+        <p:spPr>
+          <a:xfrm>
+            <a:off x="3503711" y="1641391"/>
+            <a:ext cx="5184575" cy="3766613"/>
+          </a:xfrm>
+          <a:prstGeom prst="rect">
+            <a:avLst/>
+          </a:prstGeom>
+          <a:ln>
+            <a:noFill/>
+          </a:ln>
+          <a:effectLst>
+            <a:outerShdw blurRad="292100" dist="139700" dir="2700000" algn="tl" rotWithShape="0">
+              <a:srgbClr val="333333">
+                <a:alpha val="65000"/>
+              </a:srgbClr>
+            </a:outerShdw>
+          </a:effectLst>
+        </p:spPr>
+      </p:pic>
+      <p:pic>
+        <p:nvPicPr>
+          <p:cNvPr id="9" name="Picture 8" descr="A picture containing drawing&#10;&#10;Description automatically generated">
+            <a:extLst>
+              <a:ext uri="{FF2B5EF4-FFF2-40B4-BE49-F238E27FC236}">
+                <a16:creationId xmlns:a16="http://schemas.microsoft.com/office/drawing/2014/main" id="{C0E0C274-F62B-400C-A8D5-EACB472CCA33}"/>
+              </a:ext>
+            </a:extLst>
+          </p:cNvPr>
+          <p:cNvPicPr>
+            <a:picLocks noChangeAspect="1"/>
+          </p:cNvPicPr>
+          <p:nvPr/>
+        </p:nvPicPr>
+        <p:blipFill>
+          <a:blip r:embed="rId4" cstate="print">
+            <a:extLst>
+              <a:ext uri="{28A0092B-C50C-407E-A947-70E740481C1C}">
+                <a14:useLocalDpi xmlns:a14="http://schemas.microsoft.com/office/drawing/2010/main" val="0"/>
+              </a:ext>
+            </a:extLst>
+          </a:blip>
+          <a:stretch>
+            <a:fillRect/>
+          </a:stretch>
+        </p:blipFill>
+        <p:spPr>
+          <a:xfrm>
+            <a:off x="10120620" y="2143757"/>
+            <a:ext cx="620688" cy="620688"/>
+          </a:xfrm>
+          <a:prstGeom prst="rect">
+            <a:avLst/>
+          </a:prstGeom>
+        </p:spPr>
+      </p:pic>
+      <p:sp>
+        <p:nvSpPr>
+          <p:cNvPr id="10" name="Rectangle 9">
+            <a:extLst>
+              <a:ext uri="{FF2B5EF4-FFF2-40B4-BE49-F238E27FC236}">
+                <a16:creationId xmlns:a16="http://schemas.microsoft.com/office/drawing/2014/main" id="{4DA8A6E2-5F4E-4C3D-B5CC-C80DDF6D2C80}"/>
+              </a:ext>
+            </a:extLst>
+          </p:cNvPr>
+          <p:cNvSpPr/>
+          <p:nvPr/>
+        </p:nvSpPr>
+        <p:spPr>
+          <a:xfrm>
+            <a:off x="542682" y="2967335"/>
+            <a:ext cx="2621257" cy="923330"/>
+          </a:xfrm>
+          <a:prstGeom prst="rect">
+            <a:avLst/>
+          </a:prstGeom>
+        </p:spPr>
+        <p:txBody>
+          <a:bodyPr wrap="square">
+            <a:spAutoFit/>
+          </a:bodyPr>
+          <a:lstStyle/>
+          <a:p>
+            <a:r>
+              <a:rPr lang="pt-BR" dirty="0">
+                <a:solidFill>
+                  <a:srgbClr val="123274"/>
+                </a:solidFill>
+                <a:latin typeface="Segoe UI" panose="020B0502040204020203" pitchFamily="34" charset="0"/>
+                <a:cs typeface="Segoe UI" panose="020B0502040204020203" pitchFamily="34" charset="0"/>
+              </a:rPr>
+              <a:t>O componente deve ter uma, somente uma, razão para mudar!</a:t>
+            </a:r>
+          </a:p>
+        </p:txBody>
+      </p:sp>
+    </p:spTree>
+    <p:extLst>
+      <p:ext uri="{BB962C8B-B14F-4D97-AF65-F5344CB8AC3E}">
+        <p14:creationId xmlns:p14="http://schemas.microsoft.com/office/powerpoint/2010/main" val="1967123679"/>
+      </p:ext>
+    </p:extLst>
+  </p:cSld>
+  <p:clrMapOvr>
+    <a:masterClrMapping/>
+  </p:clrMapOvr>
+  <p:transition>
+    <p:fade/>
+  </p:transition>
+</p:sld>
+</file>
+
+<file path=ppt/slides/slide6.xml><?xml version="1.0" encoding="utf-8"?>
+<p:sld xmlns:a="http://schemas.openxmlformats.org/drawingml/2006/main" xmlns:r="http://schemas.openxmlformats.org/officeDocument/2006/relationships" xmlns:p="http://schemas.openxmlformats.org/presentationml/2006/main">
+  <p:cSld>
+    <p:spTree>
+      <p:nvGrpSpPr>
+        <p:cNvPr id="1" name=""/>
+        <p:cNvGrpSpPr/>
+        <p:nvPr/>
+      </p:nvGrpSpPr>
+      <p:grpSpPr>
+        <a:xfrm>
+          <a:off x="0" y="0"/>
+          <a:ext cx="0" cy="0"/>
+          <a:chOff x="0" y="0"/>
+          <a:chExt cx="0" cy="0"/>
+        </a:xfrm>
+      </p:grpSpPr>
+      <p:sp>
+        <p:nvSpPr>
+          <p:cNvPr id="2" name="Título 1"/>
+          <p:cNvSpPr>
+            <a:spLocks noGrp="1"/>
+          </p:cNvSpPr>
+          <p:nvPr>
+            <p:ph type="title"/>
+          </p:nvPr>
+        </p:nvSpPr>
+        <p:spPr/>
+        <p:txBody>
+          <a:bodyPr/>
+          <a:lstStyle/>
+          <a:p>
+            <a:r>
+              <a:rPr lang="pt-BR" dirty="0">
+                <a:latin typeface="Segoe UI" panose="020B0502040204020203" pitchFamily="34" charset="0"/>
+                <a:cs typeface="Segoe UI" panose="020B0502040204020203" pitchFamily="34" charset="0"/>
+              </a:rPr>
+              <a:t>QUALIDADE DE CÓDIGO – S</a:t>
+            </a:r>
+            <a:r>
+              <a:rPr lang="pt-BR" b="1" dirty="0">
+                <a:solidFill>
+                  <a:srgbClr val="FF0000"/>
+                </a:solidFill>
+                <a:latin typeface="Segoe UI" panose="020B0502040204020203" pitchFamily="34" charset="0"/>
+                <a:cs typeface="Segoe UI" panose="020B0502040204020203" pitchFamily="34" charset="0"/>
+              </a:rPr>
+              <a:t>O</a:t>
+            </a:r>
+            <a:r>
+              <a:rPr lang="pt-BR" dirty="0">
+                <a:latin typeface="Segoe UI" panose="020B0502040204020203" pitchFamily="34" charset="0"/>
+                <a:cs typeface="Segoe UI" panose="020B0502040204020203" pitchFamily="34" charset="0"/>
+              </a:rPr>
+              <a:t>LID – Open- </a:t>
+            </a:r>
+            <a:r>
+              <a:rPr lang="pt-BR" dirty="0" err="1">
+                <a:latin typeface="Segoe UI" panose="020B0502040204020203" pitchFamily="34" charset="0"/>
+                <a:cs typeface="Segoe UI" panose="020B0502040204020203" pitchFamily="34" charset="0"/>
+              </a:rPr>
+              <a:t>Closed</a:t>
+            </a:r>
+            <a:r>
+              <a:rPr lang="pt-BR" dirty="0">
+                <a:latin typeface="Segoe UI" panose="020B0502040204020203" pitchFamily="34" charset="0"/>
+                <a:cs typeface="Segoe UI" panose="020B0502040204020203" pitchFamily="34" charset="0"/>
+              </a:rPr>
+              <a:t> </a:t>
+            </a:r>
+            <a:r>
+              <a:rPr lang="pt-BR" dirty="0" err="1">
+                <a:latin typeface="Segoe UI" panose="020B0502040204020203" pitchFamily="34" charset="0"/>
+                <a:cs typeface="Segoe UI" panose="020B0502040204020203" pitchFamily="34" charset="0"/>
+              </a:rPr>
+              <a:t>Principle</a:t>
+            </a:r>
+            <a:endParaRPr lang="pt-BR" dirty="0">
+              <a:latin typeface="Segoe UI" panose="020B0502040204020203" pitchFamily="34" charset="0"/>
+              <a:cs typeface="Segoe UI" panose="020B0502040204020203" pitchFamily="34" charset="0"/>
+            </a:endParaRPr>
+          </a:p>
+        </p:txBody>
+      </p:sp>
+      <p:pic>
+        <p:nvPicPr>
+          <p:cNvPr id="5" name="Picture 17" descr="A picture containing clock&#10;&#10;Description automatically generated">
+            <a:extLst>
+              <a:ext uri="{FF2B5EF4-FFF2-40B4-BE49-F238E27FC236}">
+                <a16:creationId xmlns:a16="http://schemas.microsoft.com/office/drawing/2014/main" id="{D11E4D67-65DA-4EAC-B32A-B4D1B06C505D}"/>
+              </a:ext>
+            </a:extLst>
+          </p:cNvPr>
+          <p:cNvPicPr>
+            <a:picLocks noChangeAspect="1"/>
+          </p:cNvPicPr>
+          <p:nvPr/>
+        </p:nvPicPr>
+        <p:blipFill>
+          <a:blip r:embed="rId2" cstate="print">
+            <a:extLst>
+              <a:ext uri="{28A0092B-C50C-407E-A947-70E740481C1C}">
+                <a14:useLocalDpi xmlns:a14="http://schemas.microsoft.com/office/drawing/2010/main" val="0"/>
+              </a:ext>
+            </a:extLst>
+          </a:blip>
+          <a:stretch>
+            <a:fillRect/>
+          </a:stretch>
+        </p:blipFill>
+        <p:spPr>
+          <a:xfrm>
+            <a:off x="551384" y="1285342"/>
+            <a:ext cx="1877804" cy="712098"/>
+          </a:xfrm>
+          <a:prstGeom prst="rect">
+            <a:avLst/>
+          </a:prstGeom>
+          <a:ln>
+            <a:noFill/>
+          </a:ln>
+          <a:effectLst>
+            <a:outerShdw blurRad="292100" dist="139700" dir="2700000" algn="tl" rotWithShape="0">
+              <a:srgbClr val="333333">
+                <a:alpha val="65000"/>
+              </a:srgbClr>
+            </a:outerShdw>
+          </a:effectLst>
+        </p:spPr>
+      </p:pic>
+      <p:sp>
+        <p:nvSpPr>
+          <p:cNvPr id="8" name="Arrow: Down 7">
+            <a:extLst>
+              <a:ext uri="{FF2B5EF4-FFF2-40B4-BE49-F238E27FC236}">
+                <a16:creationId xmlns:a16="http://schemas.microsoft.com/office/drawing/2014/main" id="{932394A1-A919-4AEB-B988-CF9A70B69D43}"/>
+              </a:ext>
+            </a:extLst>
+          </p:cNvPr>
+          <p:cNvSpPr/>
+          <p:nvPr/>
+        </p:nvSpPr>
+        <p:spPr>
+          <a:xfrm>
+            <a:off x="911424" y="849838"/>
+            <a:ext cx="360040" cy="458145"/>
+          </a:xfrm>
+          <a:prstGeom prst="downArrow">
+            <a:avLst/>
+          </a:prstGeom>
+          <a:solidFill>
+            <a:srgbClr val="FF0000"/>
+          </a:solidFill>
+          <a:ln>
+            <a:noFill/>
+          </a:ln>
+          <a:effectLst/>
+        </p:spPr>
+        <p:style>
+          <a:lnRef idx="1">
+            <a:schemeClr val="accent1"/>
+          </a:lnRef>
+          <a:fillRef idx="3">
+            <a:schemeClr val="accent1"/>
+          </a:fillRef>
+          <a:effectRef idx="2">
+            <a:schemeClr val="accent1"/>
+          </a:effectRef>
+          <a:fontRef idx="minor">
+            <a:schemeClr val="lt1"/>
+          </a:fontRef>
+        </p:style>
+        <p:txBody>
+          <a:bodyPr rtlCol="0" anchor="ctr"/>
+          <a:lstStyle/>
+          <a:p>
+            <a:pPr algn="ctr"/>
+            <a:endParaRPr lang="pt-BR" dirty="0"/>
+          </a:p>
+        </p:txBody>
+      </p:sp>
+      <p:pic>
+        <p:nvPicPr>
+          <p:cNvPr id="4" name="Picture 3" descr="A picture containing monitor, screen, phone, city&#10;&#10;Description automatically generated">
+            <a:extLst>
+              <a:ext uri="{FF2B5EF4-FFF2-40B4-BE49-F238E27FC236}">
+                <a16:creationId xmlns:a16="http://schemas.microsoft.com/office/drawing/2014/main" id="{5C4CFCE5-7F28-4A3B-9360-9B2E7EC28E2B}"/>
+              </a:ext>
+            </a:extLst>
+          </p:cNvPr>
+          <p:cNvPicPr>
+            <a:picLocks noChangeAspect="1"/>
+          </p:cNvPicPr>
+          <p:nvPr/>
+        </p:nvPicPr>
+        <p:blipFill>
+          <a:blip r:embed="rId3">
+            <a:extLst>
+              <a:ext uri="{28A0092B-C50C-407E-A947-70E740481C1C}">
+                <a14:useLocalDpi xmlns:a14="http://schemas.microsoft.com/office/drawing/2010/main" val="0"/>
+              </a:ext>
+            </a:extLst>
+          </a:blip>
+          <a:stretch>
+            <a:fillRect/>
+          </a:stretch>
+        </p:blipFill>
+        <p:spPr>
+          <a:xfrm>
+            <a:off x="4439816" y="1700808"/>
+            <a:ext cx="6865323" cy="3795266"/>
+          </a:xfrm>
+          <a:prstGeom prst="rect">
+            <a:avLst/>
+          </a:prstGeom>
+          <a:ln>
+            <a:noFill/>
+          </a:ln>
+          <a:effectLst>
+            <a:outerShdw blurRad="292100" dist="139700" dir="2700000" algn="tl" rotWithShape="0">
+              <a:srgbClr val="333333">
+                <a:alpha val="65000"/>
+              </a:srgbClr>
+            </a:outerShdw>
+          </a:effectLst>
+        </p:spPr>
+      </p:pic>
+      <p:pic>
+        <p:nvPicPr>
+          <p:cNvPr id="10" name="Picture 9" descr="A car parked on the side of a building&#10;&#10;Description automatically generated">
+            <a:extLst>
+              <a:ext uri="{FF2B5EF4-FFF2-40B4-BE49-F238E27FC236}">
+                <a16:creationId xmlns:a16="http://schemas.microsoft.com/office/drawing/2014/main" id="{5444159F-4F77-484C-A90C-146275C699A2}"/>
+              </a:ext>
+            </a:extLst>
+          </p:cNvPr>
+          <p:cNvPicPr>
+            <a:picLocks noChangeAspect="1"/>
+          </p:cNvPicPr>
+          <p:nvPr/>
+        </p:nvPicPr>
+        <p:blipFill>
+          <a:blip r:embed="rId4">
+            <a:extLst>
+              <a:ext uri="{28A0092B-C50C-407E-A947-70E740481C1C}">
+                <a14:useLocalDpi xmlns:a14="http://schemas.microsoft.com/office/drawing/2010/main" val="0"/>
+              </a:ext>
+            </a:extLst>
+          </a:blip>
+          <a:stretch>
+            <a:fillRect/>
+          </a:stretch>
+        </p:blipFill>
+        <p:spPr>
+          <a:xfrm>
+            <a:off x="791920" y="2636912"/>
+            <a:ext cx="3274535" cy="2508925"/>
+          </a:xfrm>
+          <a:prstGeom prst="rect">
+            <a:avLst/>
+          </a:prstGeom>
+          <a:ln>
+            <a:noFill/>
+          </a:ln>
+          <a:effectLst>
+            <a:outerShdw blurRad="292100" dist="139700" dir="2700000" algn="tl" rotWithShape="0">
+              <a:srgbClr val="333333">
+                <a:alpha val="65000"/>
+              </a:srgbClr>
+            </a:outerShdw>
+          </a:effectLst>
+        </p:spPr>
+      </p:pic>
+      <p:sp>
+        <p:nvSpPr>
+          <p:cNvPr id="11" name="Rectangle 10">
+            <a:extLst>
+              <a:ext uri="{FF2B5EF4-FFF2-40B4-BE49-F238E27FC236}">
+                <a16:creationId xmlns:a16="http://schemas.microsoft.com/office/drawing/2014/main" id="{7A6B62AA-0846-4895-937D-0E531F6F5964}"/>
+              </a:ext>
+            </a:extLst>
+          </p:cNvPr>
+          <p:cNvSpPr/>
+          <p:nvPr/>
+        </p:nvSpPr>
+        <p:spPr>
+          <a:xfrm>
+            <a:off x="666430" y="5823496"/>
+            <a:ext cx="10859140" cy="369332"/>
+          </a:xfrm>
+          <a:prstGeom prst="rect">
+            <a:avLst/>
+          </a:prstGeom>
+        </p:spPr>
+        <p:txBody>
+          <a:bodyPr wrap="square">
+            <a:spAutoFit/>
+          </a:bodyPr>
+          <a:lstStyle/>
+          <a:p>
+            <a:pPr algn="ctr"/>
+            <a:r>
+              <a:rPr lang="pt-BR" dirty="0">
+                <a:solidFill>
+                  <a:srgbClr val="123274"/>
+                </a:solidFill>
+                <a:latin typeface="Segoe UI" panose="020B0502040204020203" pitchFamily="34" charset="0"/>
+                <a:cs typeface="Segoe UI" panose="020B0502040204020203" pitchFamily="34" charset="0"/>
+              </a:rPr>
+              <a:t>Estender o comportamento sem alterar o componente base.</a:t>
+            </a:r>
+          </a:p>
+        </p:txBody>
+      </p:sp>
+    </p:spTree>
+    <p:extLst>
+      <p:ext uri="{BB962C8B-B14F-4D97-AF65-F5344CB8AC3E}">
+        <p14:creationId xmlns:p14="http://schemas.microsoft.com/office/powerpoint/2010/main" val="2432382544"/>
+      </p:ext>
+    </p:extLst>
+  </p:cSld>
+  <p:clrMapOvr>
+    <a:masterClrMapping/>
+  </p:clrMapOvr>
+  <p:transition>
+    <p:fade/>
+  </p:transition>
+</p:sld>
+</file>
+
+<file path=ppt/slides/slide7.xml><?xml version="1.0" encoding="utf-8"?>
+<p:sld xmlns:a="http://schemas.openxmlformats.org/drawingml/2006/main" xmlns:r="http://schemas.openxmlformats.org/officeDocument/2006/relationships" xmlns:p="http://schemas.openxmlformats.org/presentationml/2006/main">
+  <p:cSld>
+    <p:spTree>
+      <p:nvGrpSpPr>
+        <p:cNvPr id="1" name=""/>
+        <p:cNvGrpSpPr/>
+        <p:nvPr/>
+      </p:nvGrpSpPr>
+      <p:grpSpPr>
+        <a:xfrm>
+          <a:off x="0" y="0"/>
+          <a:ext cx="0" cy="0"/>
+          <a:chOff x="0" y="0"/>
+          <a:chExt cx="0" cy="0"/>
+        </a:xfrm>
+      </p:grpSpPr>
+      <p:sp>
+        <p:nvSpPr>
+          <p:cNvPr id="2" name="Título 1"/>
+          <p:cNvSpPr>
+            <a:spLocks noGrp="1"/>
+          </p:cNvSpPr>
+          <p:nvPr>
+            <p:ph type="title"/>
+          </p:nvPr>
+        </p:nvSpPr>
+        <p:spPr/>
+        <p:txBody>
+          <a:bodyPr/>
+          <a:lstStyle/>
+          <a:p>
+            <a:r>
+              <a:rPr lang="pt-BR" dirty="0">
+                <a:latin typeface="Segoe UI" panose="020B0502040204020203" pitchFamily="34" charset="0"/>
+                <a:cs typeface="Segoe UI" panose="020B0502040204020203" pitchFamily="34" charset="0"/>
+              </a:rPr>
+              <a:t>QUALIDADE DE CÓDIGO – SO</a:t>
+            </a:r>
+            <a:r>
+              <a:rPr lang="pt-BR" b="1" dirty="0">
+                <a:solidFill>
+                  <a:srgbClr val="FF0000"/>
+                </a:solidFill>
+                <a:latin typeface="Segoe UI" panose="020B0502040204020203" pitchFamily="34" charset="0"/>
+                <a:cs typeface="Segoe UI" panose="020B0502040204020203" pitchFamily="34" charset="0"/>
+              </a:rPr>
+              <a:t>L</a:t>
+            </a:r>
+            <a:r>
+              <a:rPr lang="pt-BR" dirty="0">
+                <a:latin typeface="Segoe UI" panose="020B0502040204020203" pitchFamily="34" charset="0"/>
+                <a:cs typeface="Segoe UI" panose="020B0502040204020203" pitchFamily="34" charset="0"/>
+              </a:rPr>
+              <a:t>ID – </a:t>
+            </a:r>
+            <a:r>
+              <a:rPr lang="pt-BR" dirty="0" err="1">
+                <a:latin typeface="Segoe UI" panose="020B0502040204020203" pitchFamily="34" charset="0"/>
+                <a:cs typeface="Segoe UI" panose="020B0502040204020203" pitchFamily="34" charset="0"/>
+              </a:rPr>
+              <a:t>Liskov</a:t>
+            </a:r>
+            <a:r>
+              <a:rPr lang="pt-BR" dirty="0">
+                <a:latin typeface="Segoe UI" panose="020B0502040204020203" pitchFamily="34" charset="0"/>
+                <a:cs typeface="Segoe UI" panose="020B0502040204020203" pitchFamily="34" charset="0"/>
+              </a:rPr>
+              <a:t> </a:t>
+            </a:r>
+            <a:r>
+              <a:rPr lang="pt-BR" dirty="0" err="1">
+                <a:latin typeface="Segoe UI" panose="020B0502040204020203" pitchFamily="34" charset="0"/>
+                <a:cs typeface="Segoe UI" panose="020B0502040204020203" pitchFamily="34" charset="0"/>
+              </a:rPr>
+              <a:t>Substition</a:t>
+            </a:r>
+            <a:endParaRPr lang="pt-BR" dirty="0">
+              <a:latin typeface="Segoe UI" panose="020B0502040204020203" pitchFamily="34" charset="0"/>
+              <a:cs typeface="Segoe UI" panose="020B0502040204020203" pitchFamily="34" charset="0"/>
+            </a:endParaRPr>
+          </a:p>
+        </p:txBody>
+      </p:sp>
+      <p:pic>
+        <p:nvPicPr>
+          <p:cNvPr id="5" name="Picture 17" descr="A picture containing clock&#10;&#10;Description automatically generated">
+            <a:extLst>
+              <a:ext uri="{FF2B5EF4-FFF2-40B4-BE49-F238E27FC236}">
+                <a16:creationId xmlns:a16="http://schemas.microsoft.com/office/drawing/2014/main" id="{217815B1-276E-4633-80BE-1D821FFF51D1}"/>
+              </a:ext>
+            </a:extLst>
+          </p:cNvPr>
+          <p:cNvPicPr>
+            <a:picLocks noChangeAspect="1"/>
+          </p:cNvPicPr>
+          <p:nvPr/>
+        </p:nvPicPr>
+        <p:blipFill>
+          <a:blip r:embed="rId2" cstate="print">
+            <a:extLst>
+              <a:ext uri="{28A0092B-C50C-407E-A947-70E740481C1C}">
+                <a14:useLocalDpi xmlns:a14="http://schemas.microsoft.com/office/drawing/2010/main" val="0"/>
+              </a:ext>
+            </a:extLst>
+          </a:blip>
+          <a:stretch>
+            <a:fillRect/>
+          </a:stretch>
+        </p:blipFill>
+        <p:spPr>
+          <a:xfrm>
+            <a:off x="551384" y="1285342"/>
+            <a:ext cx="1877804" cy="712098"/>
+          </a:xfrm>
+          <a:prstGeom prst="rect">
+            <a:avLst/>
+          </a:prstGeom>
+          <a:ln>
+            <a:noFill/>
+          </a:ln>
+          <a:effectLst>
+            <a:outerShdw blurRad="292100" dist="139700" dir="2700000" algn="tl" rotWithShape="0">
+              <a:srgbClr val="333333">
+                <a:alpha val="65000"/>
+              </a:srgbClr>
+            </a:outerShdw>
+          </a:effectLst>
+        </p:spPr>
+      </p:pic>
+      <p:sp>
+        <p:nvSpPr>
+          <p:cNvPr id="8" name="Arrow: Down 7">
+            <a:extLst>
+              <a:ext uri="{FF2B5EF4-FFF2-40B4-BE49-F238E27FC236}">
+                <a16:creationId xmlns:a16="http://schemas.microsoft.com/office/drawing/2014/main" id="{B8FD24B0-D351-4520-B5F0-C5E6F2FFA563}"/>
+              </a:ext>
+            </a:extLst>
+          </p:cNvPr>
+          <p:cNvSpPr/>
+          <p:nvPr/>
+        </p:nvSpPr>
+        <p:spPr>
+          <a:xfrm>
+            <a:off x="1271464" y="849838"/>
+            <a:ext cx="360040" cy="458145"/>
+          </a:xfrm>
+          <a:prstGeom prst="downArrow">
+            <a:avLst/>
+          </a:prstGeom>
+          <a:solidFill>
+            <a:srgbClr val="FF0000"/>
+          </a:solidFill>
+          <a:ln>
+            <a:noFill/>
+          </a:ln>
+          <a:effectLst/>
+        </p:spPr>
+        <p:style>
+          <a:lnRef idx="1">
+            <a:schemeClr val="accent1"/>
+          </a:lnRef>
+          <a:fillRef idx="3">
+            <a:schemeClr val="accent1"/>
+          </a:fillRef>
+          <a:effectRef idx="2">
+            <a:schemeClr val="accent1"/>
+          </a:effectRef>
+          <a:fontRef idx="minor">
+            <a:schemeClr val="lt1"/>
+          </a:fontRef>
+        </p:style>
+        <p:txBody>
+          <a:bodyPr rtlCol="0" anchor="ctr"/>
+          <a:lstStyle/>
+          <a:p>
+            <a:pPr algn="ctr"/>
+            <a:endParaRPr lang="pt-BR" dirty="0"/>
+          </a:p>
+        </p:txBody>
+      </p:sp>
+      <p:pic>
+        <p:nvPicPr>
+          <p:cNvPr id="4" name="Picture 3" descr="A close up of a toy&#10;&#10;Description automatically generated">
+            <a:extLst>
+              <a:ext uri="{FF2B5EF4-FFF2-40B4-BE49-F238E27FC236}">
+                <a16:creationId xmlns:a16="http://schemas.microsoft.com/office/drawing/2014/main" id="{54DB8AFB-369B-4A87-A692-6B78D7CE0A3A}"/>
+              </a:ext>
+            </a:extLst>
+          </p:cNvPr>
+          <p:cNvPicPr>
+            <a:picLocks noChangeAspect="1"/>
+          </p:cNvPicPr>
+          <p:nvPr/>
+        </p:nvPicPr>
+        <p:blipFill>
+          <a:blip r:embed="rId3">
+            <a:extLst>
+              <a:ext uri="{28A0092B-C50C-407E-A947-70E740481C1C}">
+                <a14:useLocalDpi xmlns:a14="http://schemas.microsoft.com/office/drawing/2010/main" val="0"/>
+              </a:ext>
+            </a:extLst>
+          </a:blip>
+          <a:stretch>
+            <a:fillRect/>
+          </a:stretch>
+        </p:blipFill>
+        <p:spPr>
+          <a:xfrm>
+            <a:off x="3647728" y="1119993"/>
+            <a:ext cx="5975182" cy="4618014"/>
+          </a:xfrm>
+          <a:prstGeom prst="rect">
+            <a:avLst/>
+          </a:prstGeom>
+          <a:ln>
+            <a:noFill/>
+          </a:ln>
+          <a:effectLst>
+            <a:outerShdw blurRad="292100" dist="139700" dir="2700000" algn="tl" rotWithShape="0">
+              <a:srgbClr val="333333">
+                <a:alpha val="65000"/>
+              </a:srgbClr>
+            </a:outerShdw>
+          </a:effectLst>
+        </p:spPr>
+      </p:pic>
+      <p:sp>
+        <p:nvSpPr>
+          <p:cNvPr id="9" name="Rectangle 8">
+            <a:extLst>
+              <a:ext uri="{FF2B5EF4-FFF2-40B4-BE49-F238E27FC236}">
+                <a16:creationId xmlns:a16="http://schemas.microsoft.com/office/drawing/2014/main" id="{16188B07-842F-4C5D-A77D-4323AE086647}"/>
+              </a:ext>
+            </a:extLst>
+          </p:cNvPr>
+          <p:cNvSpPr/>
+          <p:nvPr/>
+        </p:nvSpPr>
+        <p:spPr>
+          <a:xfrm>
+            <a:off x="551384" y="2967335"/>
+            <a:ext cx="2817013" cy="923330"/>
+          </a:xfrm>
+          <a:prstGeom prst="rect">
+            <a:avLst/>
+          </a:prstGeom>
+        </p:spPr>
+        <p:txBody>
+          <a:bodyPr wrap="square">
+            <a:spAutoFit/>
+          </a:bodyPr>
+          <a:lstStyle/>
+          <a:p>
+            <a:pPr algn="just"/>
+            <a:r>
+              <a:rPr lang="pt-BR" dirty="0">
+                <a:solidFill>
+                  <a:srgbClr val="123274"/>
+                </a:solidFill>
+                <a:latin typeface="Segoe UI" panose="020B0502040204020203" pitchFamily="34" charset="0"/>
+                <a:cs typeface="Segoe UI" panose="020B0502040204020203" pitchFamily="34" charset="0"/>
+              </a:rPr>
+              <a:t>Componentes derivados podem substituir seus componentes base.</a:t>
+            </a:r>
+          </a:p>
+        </p:txBody>
+      </p:sp>
+    </p:spTree>
+    <p:extLst>
+      <p:ext uri="{BB962C8B-B14F-4D97-AF65-F5344CB8AC3E}">
+        <p14:creationId xmlns:p14="http://schemas.microsoft.com/office/powerpoint/2010/main" val="845833781"/>
+      </p:ext>
+    </p:extLst>
+  </p:cSld>
+  <p:clrMapOvr>
+    <a:masterClrMapping/>
+  </p:clrMapOvr>
+  <p:transition>
+    <p:fade/>
+  </p:transition>
+</p:sld>
+</file>
+
+<file path=ppt/slides/slide8.xml><?xml version="1.0" encoding="utf-8"?>
+<p:sld xmlns:a="http://schemas.openxmlformats.org/drawingml/2006/main" xmlns:r="http://schemas.openxmlformats.org/officeDocument/2006/relationships" xmlns:p="http://schemas.openxmlformats.org/presentationml/2006/main">
+  <p:cSld>
+    <p:spTree>
+      <p:nvGrpSpPr>
+        <p:cNvPr id="1" name=""/>
+        <p:cNvGrpSpPr/>
+        <p:nvPr/>
+      </p:nvGrpSpPr>
+      <p:grpSpPr>
+        <a:xfrm>
+          <a:off x="0" y="0"/>
+          <a:ext cx="0" cy="0"/>
+          <a:chOff x="0" y="0"/>
+          <a:chExt cx="0" cy="0"/>
+        </a:xfrm>
+      </p:grpSpPr>
+      <p:sp>
+        <p:nvSpPr>
+          <p:cNvPr id="2" name="Título 1"/>
+          <p:cNvSpPr>
+            <a:spLocks noGrp="1"/>
+          </p:cNvSpPr>
+          <p:nvPr>
+            <p:ph type="title"/>
+          </p:nvPr>
+        </p:nvSpPr>
+        <p:spPr/>
+        <p:txBody>
+          <a:bodyPr/>
+          <a:lstStyle/>
+          <a:p>
+            <a:r>
+              <a:rPr lang="pt-BR" dirty="0">
+                <a:latin typeface="Segoe UI" panose="020B0502040204020203" pitchFamily="34" charset="0"/>
+                <a:cs typeface="Segoe UI" panose="020B0502040204020203" pitchFamily="34" charset="0"/>
+              </a:rPr>
+              <a:t>QUALIDADE DE CÓDIGO – SOL</a:t>
+            </a:r>
+            <a:r>
+              <a:rPr lang="pt-BR" b="1" dirty="0">
+                <a:solidFill>
+                  <a:srgbClr val="FF0000"/>
+                </a:solidFill>
+                <a:latin typeface="Segoe UI" panose="020B0502040204020203" pitchFamily="34" charset="0"/>
+                <a:cs typeface="Segoe UI" panose="020B0502040204020203" pitchFamily="34" charset="0"/>
+              </a:rPr>
+              <a:t>I</a:t>
+            </a:r>
+            <a:r>
+              <a:rPr lang="pt-BR" dirty="0">
+                <a:latin typeface="Segoe UI" panose="020B0502040204020203" pitchFamily="34" charset="0"/>
+                <a:cs typeface="Segoe UI" panose="020B0502040204020203" pitchFamily="34" charset="0"/>
+              </a:rPr>
+              <a:t>D – Interface </a:t>
+            </a:r>
+            <a:r>
+              <a:rPr lang="pt-BR" dirty="0" err="1">
+                <a:latin typeface="Segoe UI" panose="020B0502040204020203" pitchFamily="34" charset="0"/>
+                <a:cs typeface="Segoe UI" panose="020B0502040204020203" pitchFamily="34" charset="0"/>
+              </a:rPr>
+              <a:t>Segregation</a:t>
+            </a:r>
+            <a:endParaRPr lang="pt-BR" dirty="0">
+              <a:latin typeface="Segoe UI" panose="020B0502040204020203" pitchFamily="34" charset="0"/>
+              <a:cs typeface="Segoe UI" panose="020B0502040204020203" pitchFamily="34" charset="0"/>
+            </a:endParaRPr>
+          </a:p>
+        </p:txBody>
+      </p:sp>
+      <p:pic>
+        <p:nvPicPr>
+          <p:cNvPr id="5" name="Picture 17" descr="A picture containing clock&#10;&#10;Description automatically generated">
+            <a:extLst>
+              <a:ext uri="{FF2B5EF4-FFF2-40B4-BE49-F238E27FC236}">
+                <a16:creationId xmlns:a16="http://schemas.microsoft.com/office/drawing/2014/main" id="{66FF2121-E247-4EE1-8967-AFFE24C61389}"/>
+              </a:ext>
+            </a:extLst>
+          </p:cNvPr>
+          <p:cNvPicPr>
+            <a:picLocks noChangeAspect="1"/>
+          </p:cNvPicPr>
+          <p:nvPr/>
+        </p:nvPicPr>
+        <p:blipFill>
+          <a:blip r:embed="rId2" cstate="print">
+            <a:extLst>
+              <a:ext uri="{28A0092B-C50C-407E-A947-70E740481C1C}">
+                <a14:useLocalDpi xmlns:a14="http://schemas.microsoft.com/office/drawing/2010/main" val="0"/>
+              </a:ext>
+            </a:extLst>
+          </a:blip>
+          <a:stretch>
+            <a:fillRect/>
+          </a:stretch>
+        </p:blipFill>
+        <p:spPr>
+          <a:xfrm>
+            <a:off x="551384" y="1285342"/>
+            <a:ext cx="1877804" cy="712098"/>
+          </a:xfrm>
+          <a:prstGeom prst="rect">
+            <a:avLst/>
+          </a:prstGeom>
+          <a:ln>
+            <a:noFill/>
+          </a:ln>
+          <a:effectLst>
+            <a:outerShdw blurRad="292100" dist="139700" dir="2700000" algn="tl" rotWithShape="0">
+              <a:srgbClr val="333333">
+                <a:alpha val="65000"/>
+              </a:srgbClr>
+            </a:outerShdw>
+          </a:effectLst>
+        </p:spPr>
+      </p:pic>
+      <p:sp>
+        <p:nvSpPr>
+          <p:cNvPr id="8" name="Arrow: Down 7">
+            <a:extLst>
+              <a:ext uri="{FF2B5EF4-FFF2-40B4-BE49-F238E27FC236}">
+                <a16:creationId xmlns:a16="http://schemas.microsoft.com/office/drawing/2014/main" id="{34D43229-C9B1-46B4-A31A-E64D7FD2A9F2}"/>
+              </a:ext>
+            </a:extLst>
+          </p:cNvPr>
+          <p:cNvSpPr/>
+          <p:nvPr/>
+        </p:nvSpPr>
+        <p:spPr>
+          <a:xfrm>
+            <a:off x="1673708" y="849838"/>
+            <a:ext cx="360040" cy="458145"/>
+          </a:xfrm>
+          <a:prstGeom prst="downArrow">
+            <a:avLst/>
+          </a:prstGeom>
+          <a:solidFill>
+            <a:srgbClr val="FF0000"/>
+          </a:solidFill>
+          <a:ln>
+            <a:noFill/>
+          </a:ln>
+          <a:effectLst/>
+        </p:spPr>
+        <p:style>
+          <a:lnRef idx="1">
+            <a:schemeClr val="accent1"/>
+          </a:lnRef>
+          <a:fillRef idx="3">
+            <a:schemeClr val="accent1"/>
+          </a:fillRef>
+          <a:effectRef idx="2">
+            <a:schemeClr val="accent1"/>
+          </a:effectRef>
+          <a:fontRef idx="minor">
+            <a:schemeClr val="lt1"/>
+          </a:fontRef>
+        </p:style>
+        <p:txBody>
+          <a:bodyPr rtlCol="0" anchor="ctr"/>
+          <a:lstStyle/>
+          <a:p>
+            <a:pPr algn="ctr"/>
+            <a:endParaRPr lang="pt-BR" dirty="0"/>
+          </a:p>
+        </p:txBody>
+      </p:sp>
+      <p:pic>
+        <p:nvPicPr>
+          <p:cNvPr id="4" name="Picture 3" descr="A screen shot of a computer&#10;&#10;Description automatically generated">
+            <a:extLst>
+              <a:ext uri="{FF2B5EF4-FFF2-40B4-BE49-F238E27FC236}">
+                <a16:creationId xmlns:a16="http://schemas.microsoft.com/office/drawing/2014/main" id="{0791E993-ADF0-4097-BDF5-C183B24E1F81}"/>
+              </a:ext>
+            </a:extLst>
+          </p:cNvPr>
+          <p:cNvPicPr>
+            <a:picLocks noChangeAspect="1"/>
+          </p:cNvPicPr>
+          <p:nvPr/>
+        </p:nvPicPr>
+        <p:blipFill rotWithShape="1">
+          <a:blip r:embed="rId3">
+            <a:extLst>
+              <a:ext uri="{28A0092B-C50C-407E-A947-70E740481C1C}">
+                <a14:useLocalDpi xmlns:a14="http://schemas.microsoft.com/office/drawing/2010/main" val="0"/>
+              </a:ext>
+            </a:extLst>
+          </a:blip>
+          <a:srcRect l="3030" t="7401" r="3032" b="4720"/>
+          <a:stretch/>
+        </p:blipFill>
+        <p:spPr>
+          <a:xfrm>
+            <a:off x="3699471" y="936594"/>
+            <a:ext cx="5328592" cy="4984812"/>
+          </a:xfrm>
+          <a:prstGeom prst="rect">
+            <a:avLst/>
+          </a:prstGeom>
+          <a:ln>
+            <a:noFill/>
+          </a:ln>
+          <a:effectLst>
+            <a:outerShdw blurRad="292100" dist="139700" dir="2700000" algn="tl" rotWithShape="0">
+              <a:srgbClr val="333333">
+                <a:alpha val="65000"/>
+              </a:srgbClr>
+            </a:outerShdw>
+          </a:effectLst>
+        </p:spPr>
+      </p:pic>
+      <p:sp>
+        <p:nvSpPr>
+          <p:cNvPr id="9" name="Rectangle 8">
+            <a:extLst>
+              <a:ext uri="{FF2B5EF4-FFF2-40B4-BE49-F238E27FC236}">
+                <a16:creationId xmlns:a16="http://schemas.microsoft.com/office/drawing/2014/main" id="{73580C59-A14F-442B-9FF0-6FA99595C8B6}"/>
+              </a:ext>
+            </a:extLst>
+          </p:cNvPr>
+          <p:cNvSpPr/>
+          <p:nvPr/>
+        </p:nvSpPr>
+        <p:spPr>
+          <a:xfrm>
+            <a:off x="403438" y="3105834"/>
+            <a:ext cx="2900580" cy="646331"/>
+          </a:xfrm>
+          <a:prstGeom prst="rect">
+            <a:avLst/>
+          </a:prstGeom>
+        </p:spPr>
+        <p:txBody>
+          <a:bodyPr wrap="square">
+            <a:spAutoFit/>
+          </a:bodyPr>
+          <a:lstStyle/>
+          <a:p>
+            <a:r>
+              <a:rPr lang="pt-BR" dirty="0">
+                <a:solidFill>
+                  <a:srgbClr val="123274"/>
+                </a:solidFill>
+                <a:latin typeface="Segoe UI" panose="020B0502040204020203" pitchFamily="34" charset="0"/>
+                <a:cs typeface="Segoe UI" panose="020B0502040204020203" pitchFamily="34" charset="0"/>
+              </a:rPr>
+              <a:t>Mantenha a granularidade fina de suas interfaces</a:t>
+            </a:r>
+          </a:p>
+        </p:txBody>
+      </p:sp>
+    </p:spTree>
+    <p:extLst>
+      <p:ext uri="{BB962C8B-B14F-4D97-AF65-F5344CB8AC3E}">
+        <p14:creationId xmlns:p14="http://schemas.microsoft.com/office/powerpoint/2010/main" val="2704705959"/>
+      </p:ext>
+    </p:extLst>
+  </p:cSld>
+  <p:clrMapOvr>
+    <a:masterClrMapping/>
+  </p:clrMapOvr>
+  <p:transition>
+    <p:fade/>
+  </p:transition>
+</p:sld>
+</file>
+
+<file path=ppt/slides/slide9.xml><?xml version="1.0" encoding="utf-8"?>
+<p:sld xmlns:a="http://schemas.openxmlformats.org/drawingml/2006/main" xmlns:r="http://schemas.openxmlformats.org/officeDocument/2006/relationships" xmlns:p="http://schemas.openxmlformats.org/presentationml/2006/main">
+  <p:cSld>
+    <p:spTree>
+      <p:nvGrpSpPr>
+        <p:cNvPr id="1" name=""/>
+        <p:cNvGrpSpPr/>
+        <p:nvPr/>
+      </p:nvGrpSpPr>
+      <p:grpSpPr>
+        <a:xfrm>
+          <a:off x="0" y="0"/>
+          <a:ext cx="0" cy="0"/>
+          <a:chOff x="0" y="0"/>
+          <a:chExt cx="0" cy="0"/>
+        </a:xfrm>
+      </p:grpSpPr>
+      <p:sp>
+        <p:nvSpPr>
+          <p:cNvPr id="2" name="Título 1"/>
+          <p:cNvSpPr>
+            <a:spLocks noGrp="1"/>
+          </p:cNvSpPr>
+          <p:nvPr>
+            <p:ph type="title"/>
+          </p:nvPr>
+        </p:nvSpPr>
+        <p:spPr/>
+        <p:txBody>
+          <a:bodyPr/>
+          <a:lstStyle/>
+          <a:p>
+            <a:r>
+              <a:rPr lang="pt-BR" dirty="0">
+                <a:latin typeface="Segoe UI" panose="020B0502040204020203" pitchFamily="34" charset="0"/>
+                <a:cs typeface="Segoe UI" panose="020B0502040204020203" pitchFamily="34" charset="0"/>
+              </a:rPr>
+              <a:t>QUALIDADE DE CÓDIGO – SOLI</a:t>
+            </a:r>
+            <a:r>
+              <a:rPr lang="pt-BR" b="1" dirty="0">
+                <a:solidFill>
+                  <a:srgbClr val="FF0000"/>
+                </a:solidFill>
+                <a:latin typeface="Segoe UI" panose="020B0502040204020203" pitchFamily="34" charset="0"/>
+                <a:cs typeface="Segoe UI" panose="020B0502040204020203" pitchFamily="34" charset="0"/>
+              </a:rPr>
+              <a:t>D</a:t>
+            </a:r>
+            <a:r>
+              <a:rPr lang="pt-BR" dirty="0">
+                <a:latin typeface="Segoe UI" panose="020B0502040204020203" pitchFamily="34" charset="0"/>
+                <a:cs typeface="Segoe UI" panose="020B0502040204020203" pitchFamily="34" charset="0"/>
+              </a:rPr>
+              <a:t> – </a:t>
+            </a:r>
+            <a:r>
+              <a:rPr lang="pt-BR" dirty="0" err="1">
+                <a:latin typeface="Segoe UI" panose="020B0502040204020203" pitchFamily="34" charset="0"/>
+                <a:cs typeface="Segoe UI" panose="020B0502040204020203" pitchFamily="34" charset="0"/>
+              </a:rPr>
+              <a:t>Dependency</a:t>
+            </a:r>
+            <a:r>
+              <a:rPr lang="pt-BR" dirty="0">
+                <a:latin typeface="Segoe UI" panose="020B0502040204020203" pitchFamily="34" charset="0"/>
+                <a:cs typeface="Segoe UI" panose="020B0502040204020203" pitchFamily="34" charset="0"/>
+              </a:rPr>
+              <a:t> </a:t>
+            </a:r>
+            <a:r>
+              <a:rPr lang="pt-BR" dirty="0" err="1">
+                <a:latin typeface="Segoe UI" panose="020B0502040204020203" pitchFamily="34" charset="0"/>
+                <a:cs typeface="Segoe UI" panose="020B0502040204020203" pitchFamily="34" charset="0"/>
+              </a:rPr>
+              <a:t>Inversion</a:t>
+            </a:r>
+            <a:endParaRPr lang="pt-BR" dirty="0">
+              <a:latin typeface="Segoe UI" panose="020B0502040204020203" pitchFamily="34" charset="0"/>
+              <a:cs typeface="Segoe UI" panose="020B0502040204020203" pitchFamily="34" charset="0"/>
+            </a:endParaRPr>
+          </a:p>
+        </p:txBody>
+      </p:sp>
+      <p:pic>
+        <p:nvPicPr>
+          <p:cNvPr id="5" name="Picture 17" descr="A picture containing clock&#10;&#10;Description automatically generated">
+            <a:extLst>
+              <a:ext uri="{FF2B5EF4-FFF2-40B4-BE49-F238E27FC236}">
+                <a16:creationId xmlns:a16="http://schemas.microsoft.com/office/drawing/2014/main" id="{54295CEA-7803-4258-AE8F-EBDFD16AFD93}"/>
+              </a:ext>
+            </a:extLst>
+          </p:cNvPr>
+          <p:cNvPicPr>
+            <a:picLocks noChangeAspect="1"/>
+          </p:cNvPicPr>
+          <p:nvPr/>
+        </p:nvPicPr>
+        <p:blipFill>
+          <a:blip r:embed="rId2" cstate="print">
+            <a:extLst>
+              <a:ext uri="{28A0092B-C50C-407E-A947-70E740481C1C}">
+                <a14:useLocalDpi xmlns:a14="http://schemas.microsoft.com/office/drawing/2010/main" val="0"/>
+              </a:ext>
+            </a:extLst>
+          </a:blip>
+          <a:stretch>
+            <a:fillRect/>
+          </a:stretch>
+        </p:blipFill>
+        <p:spPr>
+          <a:xfrm>
+            <a:off x="551384" y="1285342"/>
+            <a:ext cx="1877804" cy="712098"/>
+          </a:xfrm>
+          <a:prstGeom prst="rect">
+            <a:avLst/>
+          </a:prstGeom>
+          <a:ln>
+            <a:noFill/>
+          </a:ln>
+          <a:effectLst>
+            <a:outerShdw blurRad="292100" dist="139700" dir="2700000" algn="tl" rotWithShape="0">
+              <a:srgbClr val="333333">
+                <a:alpha val="65000"/>
+              </a:srgbClr>
+            </a:outerShdw>
+          </a:effectLst>
+        </p:spPr>
+      </p:pic>
+      <p:sp>
+        <p:nvSpPr>
+          <p:cNvPr id="8" name="Arrow: Down 7">
+            <a:extLst>
+              <a:ext uri="{FF2B5EF4-FFF2-40B4-BE49-F238E27FC236}">
+                <a16:creationId xmlns:a16="http://schemas.microsoft.com/office/drawing/2014/main" id="{C2DFD529-765B-4677-931D-CC3186F0D1DB}"/>
+              </a:ext>
+            </a:extLst>
+          </p:cNvPr>
+          <p:cNvSpPr/>
+          <p:nvPr/>
+        </p:nvSpPr>
+        <p:spPr>
+          <a:xfrm>
+            <a:off x="2035416" y="849838"/>
+            <a:ext cx="360040" cy="458145"/>
+          </a:xfrm>
+          <a:prstGeom prst="downArrow">
+            <a:avLst/>
+          </a:prstGeom>
+          <a:solidFill>
+            <a:srgbClr val="FF0000"/>
+          </a:solidFill>
+          <a:ln>
+            <a:noFill/>
+          </a:ln>
+          <a:effectLst/>
+        </p:spPr>
+        <p:style>
+          <a:lnRef idx="1">
+            <a:schemeClr val="accent1"/>
+          </a:lnRef>
+          <a:fillRef idx="3">
+            <a:schemeClr val="accent1"/>
+          </a:fillRef>
+          <a:effectRef idx="2">
+            <a:schemeClr val="accent1"/>
+          </a:effectRef>
+          <a:fontRef idx="minor">
+            <a:schemeClr val="lt1"/>
+          </a:fontRef>
+        </p:style>
+        <p:txBody>
+          <a:bodyPr rtlCol="0" anchor="ctr"/>
+          <a:lstStyle/>
+          <a:p>
+            <a:pPr algn="ctr"/>
+            <a:endParaRPr lang="pt-BR" dirty="0"/>
+          </a:p>
+        </p:txBody>
+      </p:sp>
+      <p:pic>
+        <p:nvPicPr>
+          <p:cNvPr id="4" name="Picture 3" descr="A close up of a sign&#10;&#10;Description automatically generated">
+            <a:extLst>
+              <a:ext uri="{FF2B5EF4-FFF2-40B4-BE49-F238E27FC236}">
+                <a16:creationId xmlns:a16="http://schemas.microsoft.com/office/drawing/2014/main" id="{EB08E33C-BD09-4475-8F49-294C91896EB3}"/>
+              </a:ext>
+            </a:extLst>
+          </p:cNvPr>
+          <p:cNvPicPr>
+            <a:picLocks noChangeAspect="1"/>
+          </p:cNvPicPr>
+          <p:nvPr/>
+        </p:nvPicPr>
+        <p:blipFill>
+          <a:blip r:embed="rId3">
+            <a:extLst>
+              <a:ext uri="{28A0092B-C50C-407E-A947-70E740481C1C}">
+                <a14:useLocalDpi xmlns:a14="http://schemas.microsoft.com/office/drawing/2010/main" val="0"/>
+              </a:ext>
+            </a:extLst>
+          </a:blip>
+          <a:stretch>
+            <a:fillRect/>
+          </a:stretch>
+        </p:blipFill>
+        <p:spPr>
+          <a:xfrm>
+            <a:off x="3532308" y="865308"/>
+            <a:ext cx="5127384" cy="5127384"/>
+          </a:xfrm>
+          <a:prstGeom prst="rect">
+            <a:avLst/>
+          </a:prstGeom>
+          <a:ln>
+            <a:noFill/>
+          </a:ln>
+          <a:effectLst>
+            <a:outerShdw blurRad="292100" dist="139700" dir="2700000" algn="tl" rotWithShape="0">
+              <a:srgbClr val="333333">
+                <a:alpha val="65000"/>
+              </a:srgbClr>
+            </a:outerShdw>
+          </a:effectLst>
+        </p:spPr>
+      </p:pic>
+      <p:sp>
+        <p:nvSpPr>
+          <p:cNvPr id="9" name="Rectangle 8">
+            <a:extLst>
+              <a:ext uri="{FF2B5EF4-FFF2-40B4-BE49-F238E27FC236}">
+                <a16:creationId xmlns:a16="http://schemas.microsoft.com/office/drawing/2014/main" id="{5F10F36F-E24A-4139-97E9-6D9FDBCD7B9E}"/>
+              </a:ext>
+            </a:extLst>
+          </p:cNvPr>
+          <p:cNvSpPr/>
+          <p:nvPr/>
+        </p:nvSpPr>
+        <p:spPr>
+          <a:xfrm>
+            <a:off x="403438" y="3105834"/>
+            <a:ext cx="2900580" cy="646331"/>
+          </a:xfrm>
+          <a:prstGeom prst="rect">
+            <a:avLst/>
+          </a:prstGeom>
+        </p:spPr>
+        <p:txBody>
+          <a:bodyPr wrap="square">
+            <a:spAutoFit/>
+          </a:bodyPr>
+          <a:lstStyle/>
+          <a:p>
+            <a:r>
+              <a:rPr lang="pt-BR" dirty="0">
+                <a:solidFill>
+                  <a:srgbClr val="123274"/>
+                </a:solidFill>
+                <a:latin typeface="Segoe UI" panose="020B0502040204020203" pitchFamily="34" charset="0"/>
+                <a:cs typeface="Segoe UI" panose="020B0502040204020203" pitchFamily="34" charset="0"/>
+              </a:rPr>
+              <a:t>Dependa de abstrações, não de classes concretas</a:t>
+            </a:r>
+          </a:p>
+        </p:txBody>
+      </p:sp>
+    </p:spTree>
+    <p:extLst>
+      <p:ext uri="{BB962C8B-B14F-4D97-AF65-F5344CB8AC3E}">
+        <p14:creationId xmlns:p14="http://schemas.microsoft.com/office/powerpoint/2010/main" val="2589566178"/>
+      </p:ext>
+    </p:extLst>
+  </p:cSld>
+  <p:clrMapOvr>
+    <a:masterClrMapping/>
+  </p:clrMapOvr>
+  <p:transition>
+    <p:fade/>
   </p:transition>
 </p:sld>
 </file>
@@ -8821,6 +10723,15 @@
 </file>
 
 <file path=customXml/item1.xml><?xml version="1.0" encoding="utf-8"?>
+<p:properties xmlns:p="http://schemas.microsoft.com/office/2006/metadata/properties" xmlns:xsi="http://www.w3.org/2001/XMLSchema-instance" xmlns:pc="http://schemas.microsoft.com/office/infopath/2007/PartnerControls">
+  <documentManagement>
+    <PublishingExpirationDate xmlns="http://schemas.microsoft.com/sharepoint/v3" xsi:nil="true"/>
+    <PublishingStartDate xmlns="http://schemas.microsoft.com/sharepoint/v3" xsi:nil="true"/>
+  </documentManagement>
+</p:properties>
+</file>
+
+<file path=customXml/item2.xml><?xml version="1.0" encoding="utf-8"?>
 <ct:contentTypeSchema xmlns:ct="http://schemas.microsoft.com/office/2006/metadata/contentType" xmlns:ma="http://schemas.microsoft.com/office/2006/metadata/properties/metaAttributes" ct:_="" ma:_="" ma:contentTypeName="Documento" ma:contentTypeID="0x0101001996EFEF7D0459479C2B077F9CC506F4" ma:contentTypeVersion="10" ma:contentTypeDescription="Crie um novo documento." ma:contentTypeScope="" ma:versionID="43cd10b64f265b7dd32059be640333a9">
   <xsd:schema xmlns:xsd="http://www.w3.org/2001/XMLSchema" xmlns:xs="http://www.w3.org/2001/XMLSchema" xmlns:p="http://schemas.microsoft.com/office/2006/metadata/properties" xmlns:ns1="http://schemas.microsoft.com/sharepoint/v3" xmlns:ns2="80facd6c-f04a-426f-adbd-b3840a7840bd" xmlns:ns3="d33496c5-bd94-446e-a363-fca1fec0d15a" targetNamespace="http://schemas.microsoft.com/office/2006/metadata/properties" ma:root="true" ma:fieldsID="0d6b128c5ce9545d0d2912f9a975af95" ns1:_="" ns2:_="" ns3:_="">
     <xsd:import namespace="http://schemas.microsoft.com/sharepoint/v3"/>
@@ -9034,7 +10945,7 @@
 </ct:contentTypeSchema>
 </file>
 
-<file path=customXml/item2.xml><?xml version="1.0" encoding="utf-8"?>
+<file path=customXml/item3.xml><?xml version="1.0" encoding="utf-8"?>
 <?mso-contentType ?>
 <FormTemplates xmlns="http://schemas.microsoft.com/sharepoint/v3/contenttype/forms">
   <Display>DocumentLibraryForm</Display>
@@ -9043,16 +10954,17 @@
 </FormTemplates>
 </file>
 
-<file path=customXml/item3.xml><?xml version="1.0" encoding="utf-8"?>
-<p:properties xmlns:p="http://schemas.microsoft.com/office/2006/metadata/properties" xmlns:xsi="http://www.w3.org/2001/XMLSchema-instance" xmlns:pc="http://schemas.microsoft.com/office/infopath/2007/PartnerControls">
-  <documentManagement>
-    <PublishingExpirationDate xmlns="http://schemas.microsoft.com/sharepoint/v3" xsi:nil="true"/>
-    <PublishingStartDate xmlns="http://schemas.microsoft.com/sharepoint/v3" xsi:nil="true"/>
-  </documentManagement>
-</p:properties>
+<file path=customXml/itemProps1.xml><?xml version="1.0" encoding="utf-8"?>
+<ds:datastoreItem xmlns:ds="http://schemas.openxmlformats.org/officeDocument/2006/customXml" ds:itemID="{BEF3FD83-2601-46A9-AA9B-655B326F1C5E}">
+  <ds:schemaRefs>
+    <ds:schemaRef ds:uri="http://schemas.microsoft.com/office/2006/metadata/properties"/>
+    <ds:schemaRef ds:uri="http://schemas.microsoft.com/office/infopath/2007/PartnerControls"/>
+    <ds:schemaRef ds:uri="http://schemas.microsoft.com/sharepoint/v3"/>
+  </ds:schemaRefs>
+</ds:datastoreItem>
 </file>
 
-<file path=customXml/itemProps1.xml><?xml version="1.0" encoding="utf-8"?>
+<file path=customXml/itemProps2.xml><?xml version="1.0" encoding="utf-8"?>
 <ds:datastoreItem xmlns:ds="http://schemas.openxmlformats.org/officeDocument/2006/customXml" ds:itemID="{AB30B8D0-9C02-4061-951A-8B7B3A86F5B0}">
   <ds:schemaRefs>
     <ds:schemaRef ds:uri="http://schemas.microsoft.com/office/2006/metadata/contentType"/>
@@ -9072,20 +10984,10 @@
 </ds:datastoreItem>
 </file>
 
-<file path=customXml/itemProps2.xml><?xml version="1.0" encoding="utf-8"?>
+<file path=customXml/itemProps3.xml><?xml version="1.0" encoding="utf-8"?>
 <ds:datastoreItem xmlns:ds="http://schemas.openxmlformats.org/officeDocument/2006/customXml" ds:itemID="{98DACE87-CD74-4C35-ADF8-12B4276F2F66}">
   <ds:schemaRefs>
     <ds:schemaRef ds:uri="http://schemas.microsoft.com/sharepoint/v3/contenttype/forms"/>
   </ds:schemaRefs>
 </ds:datastoreItem>
-</file>
-
-<file path=customXml/itemProps3.xml><?xml version="1.0" encoding="utf-8"?>
-<ds:datastoreItem xmlns:ds="http://schemas.openxmlformats.org/officeDocument/2006/customXml" ds:itemID="{BEF3FD83-2601-46A9-AA9B-655B326F1C5E}">
-  <ds:schemaRefs>
-    <ds:schemaRef ds:uri="http://schemas.microsoft.com/office/2006/metadata/properties"/>
-    <ds:schemaRef ds:uri="http://schemas.microsoft.com/office/infopath/2007/PartnerControls"/>
-    <ds:schemaRef ds:uri="http://schemas.microsoft.com/sharepoint/v3"/>
-  </ds:schemaRefs>
-</ds:datastoreItem>
 </file>